--- a/doc/HttpPush説明.pptx
+++ b/doc/HttpPush説明.pptx
@@ -8,6 +8,8 @@
     <p:sldId id="256" r:id="rId2"/>
     <p:sldId id="257" r:id="rId3"/>
     <p:sldId id="258" r:id="rId4"/>
+    <p:sldId id="259" r:id="rId5"/>
+    <p:sldId id="260" r:id="rId6"/>
   </p:sldIdLst>
   <p:sldSz cx="12192000" cy="6858000"/>
   <p:notesSz cx="6858000" cy="9144000"/>
@@ -245,7 +247,7 @@
           <a:p>
             <a:fld id="{7D22EB24-C12F-4FB2-9082-500F2E93DE4E}" type="datetimeFigureOut">
               <a:rPr kumimoji="1" lang="ja-JP" altLang="en-US" smtClean="0"/>
-              <a:t>2017/7/10</a:t>
+              <a:t>2017/7/13</a:t>
             </a:fld>
             <a:endParaRPr kumimoji="1" lang="ja-JP" altLang="en-US"/>
           </a:p>
@@ -447,7 +449,7 @@
           <a:p>
             <a:fld id="{7D22EB24-C12F-4FB2-9082-500F2E93DE4E}" type="datetimeFigureOut">
               <a:rPr kumimoji="1" lang="ja-JP" altLang="en-US" smtClean="0"/>
-              <a:t>2017/7/10</a:t>
+              <a:t>2017/7/13</a:t>
             </a:fld>
             <a:endParaRPr kumimoji="1" lang="ja-JP" altLang="en-US"/>
           </a:p>
@@ -659,7 +661,7 @@
           <a:p>
             <a:fld id="{7D22EB24-C12F-4FB2-9082-500F2E93DE4E}" type="datetimeFigureOut">
               <a:rPr kumimoji="1" lang="ja-JP" altLang="en-US" smtClean="0"/>
-              <a:t>2017/7/10</a:t>
+              <a:t>2017/7/13</a:t>
             </a:fld>
             <a:endParaRPr kumimoji="1" lang="ja-JP" altLang="en-US"/>
           </a:p>
@@ -861,7 +863,7 @@
           <a:p>
             <a:fld id="{7D22EB24-C12F-4FB2-9082-500F2E93DE4E}" type="datetimeFigureOut">
               <a:rPr kumimoji="1" lang="ja-JP" altLang="en-US" smtClean="0"/>
-              <a:t>2017/7/10</a:t>
+              <a:t>2017/7/13</a:t>
             </a:fld>
             <a:endParaRPr kumimoji="1" lang="ja-JP" altLang="en-US"/>
           </a:p>
@@ -1107,7 +1109,7 @@
           <a:p>
             <a:fld id="{7D22EB24-C12F-4FB2-9082-500F2E93DE4E}" type="datetimeFigureOut">
               <a:rPr kumimoji="1" lang="ja-JP" altLang="en-US" smtClean="0"/>
-              <a:t>2017/7/10</a:t>
+              <a:t>2017/7/13</a:t>
             </a:fld>
             <a:endParaRPr kumimoji="1" lang="ja-JP" altLang="en-US"/>
           </a:p>
@@ -1403,7 +1405,7 @@
           <a:p>
             <a:fld id="{7D22EB24-C12F-4FB2-9082-500F2E93DE4E}" type="datetimeFigureOut">
               <a:rPr kumimoji="1" lang="ja-JP" altLang="en-US" smtClean="0"/>
-              <a:t>2017/7/10</a:t>
+              <a:t>2017/7/13</a:t>
             </a:fld>
             <a:endParaRPr kumimoji="1" lang="ja-JP" altLang="en-US"/>
           </a:p>
@@ -1834,7 +1836,7 @@
           <a:p>
             <a:fld id="{7D22EB24-C12F-4FB2-9082-500F2E93DE4E}" type="datetimeFigureOut">
               <a:rPr kumimoji="1" lang="ja-JP" altLang="en-US" smtClean="0"/>
-              <a:t>2017/7/10</a:t>
+              <a:t>2017/7/13</a:t>
             </a:fld>
             <a:endParaRPr kumimoji="1" lang="ja-JP" altLang="en-US"/>
           </a:p>
@@ -1952,7 +1954,7 @@
           <a:p>
             <a:fld id="{7D22EB24-C12F-4FB2-9082-500F2E93DE4E}" type="datetimeFigureOut">
               <a:rPr kumimoji="1" lang="ja-JP" altLang="en-US" smtClean="0"/>
-              <a:t>2017/7/10</a:t>
+              <a:t>2017/7/13</a:t>
             </a:fld>
             <a:endParaRPr kumimoji="1" lang="ja-JP" altLang="en-US"/>
           </a:p>
@@ -2047,7 +2049,7 @@
           <a:p>
             <a:fld id="{7D22EB24-C12F-4FB2-9082-500F2E93DE4E}" type="datetimeFigureOut">
               <a:rPr kumimoji="1" lang="ja-JP" altLang="en-US" smtClean="0"/>
-              <a:t>2017/7/10</a:t>
+              <a:t>2017/7/13</a:t>
             </a:fld>
             <a:endParaRPr kumimoji="1" lang="ja-JP" altLang="en-US"/>
           </a:p>
@@ -2356,7 +2358,7 @@
           <a:p>
             <a:fld id="{7D22EB24-C12F-4FB2-9082-500F2E93DE4E}" type="datetimeFigureOut">
               <a:rPr kumimoji="1" lang="ja-JP" altLang="en-US" smtClean="0"/>
-              <a:t>2017/7/10</a:t>
+              <a:t>2017/7/13</a:t>
             </a:fld>
             <a:endParaRPr kumimoji="1" lang="ja-JP" altLang="en-US"/>
           </a:p>
@@ -2609,7 +2611,7 @@
           <a:p>
             <a:fld id="{7D22EB24-C12F-4FB2-9082-500F2E93DE4E}" type="datetimeFigureOut">
               <a:rPr kumimoji="1" lang="ja-JP" altLang="en-US" smtClean="0"/>
-              <a:t>2017/7/10</a:t>
+              <a:t>2017/7/13</a:t>
             </a:fld>
             <a:endParaRPr kumimoji="1" lang="ja-JP" altLang="en-US"/>
           </a:p>
@@ -2854,7 +2856,7 @@
           <a:p>
             <a:fld id="{7D22EB24-C12F-4FB2-9082-500F2E93DE4E}" type="datetimeFigureOut">
               <a:rPr kumimoji="1" lang="ja-JP" altLang="en-US" smtClean="0"/>
-              <a:t>2017/7/10</a:t>
+              <a:t>2017/7/13</a:t>
             </a:fld>
             <a:endParaRPr kumimoji="1" lang="ja-JP" altLang="en-US"/>
           </a:p>
@@ -3319,7 +3321,11 @@
             </a:r>
             <a:r>
               <a:rPr kumimoji="1" lang="ja-JP" altLang="en-US" dirty="0" smtClean="0"/>
-              <a:t>配信サーバ</a:t>
+              <a:t>配信</a:t>
+            </a:r>
+            <a:r>
+              <a:rPr lang="ja-JP" altLang="en-US" dirty="0"/>
+              <a:t>サービス</a:t>
             </a:r>
             <a:endParaRPr kumimoji="1" lang="ja-JP" altLang="en-US" dirty="0"/>
           </a:p>
@@ -3959,7 +3965,9 @@
         </p:nvSpPr>
         <p:spPr/>
         <p:txBody>
-          <a:bodyPr/>
+          <a:bodyPr>
+            <a:normAutofit/>
+          </a:bodyPr>
           <a:lstStyle/>
           <a:p>
             <a:pPr marL="0" indent="0">
@@ -4009,7 +4017,33 @@
             </a:r>
             <a:r>
               <a:rPr kumimoji="1" lang="ja-JP" altLang="en-US" dirty="0" smtClean="0"/>
-              <a:t>接続部）にデータをセットする</a:t>
+              <a:t>接続部）</a:t>
+            </a:r>
+            <a:r>
+              <a:rPr kumimoji="1" lang="ja-JP" altLang="en-US" dirty="0" smtClean="0"/>
+              <a:t>に</a:t>
+            </a:r>
+            <a:r>
+              <a:rPr lang="ja-JP" altLang="en-US" dirty="0" smtClean="0"/>
+              <a:t>データ送信を行う</a:t>
+            </a:r>
+            <a:endParaRPr lang="en-US" altLang="ja-JP" dirty="0" smtClean="0"/>
+          </a:p>
+          <a:p>
+            <a:pPr marL="0" indent="0">
+              <a:buNone/>
+            </a:pPr>
+            <a:r>
+              <a:rPr kumimoji="1" lang="ja-JP" altLang="en-US" dirty="0" smtClean="0"/>
+              <a:t>３）</a:t>
+            </a:r>
+            <a:r>
+              <a:rPr kumimoji="1" lang="en-US" altLang="ja-JP" dirty="0" smtClean="0"/>
+              <a:t>CORS</a:t>
+            </a:r>
+            <a:r>
+              <a:rPr kumimoji="1" lang="ja-JP" altLang="en-US" dirty="0" smtClean="0"/>
+              <a:t>対応</a:t>
             </a:r>
             <a:endParaRPr kumimoji="1" lang="en-US" altLang="ja-JP" dirty="0" smtClean="0"/>
           </a:p>
@@ -4017,7 +4051,7 @@
             <a:pPr marL="0" indent="0">
               <a:buNone/>
             </a:pPr>
-            <a:endParaRPr lang="en-US" altLang="ja-JP" dirty="0"/>
+            <a:endParaRPr lang="en-US" altLang="ja-JP" dirty="0" smtClean="0"/>
           </a:p>
           <a:p>
             <a:pPr marL="0" indent="0">
@@ -4025,22 +4059,8 @@
             </a:pPr>
             <a:r>
               <a:rPr lang="ja-JP" altLang="en-US" dirty="0" smtClean="0"/>
-              <a:t>これらの機能を用いて、リアルタイムな</a:t>
-            </a:r>
-            <a:r>
-              <a:rPr lang="en-US" altLang="ja-JP" dirty="0" smtClean="0"/>
-              <a:t>Push</a:t>
-            </a:r>
-            <a:r>
-              <a:rPr lang="ja-JP" altLang="en-US" dirty="0" smtClean="0"/>
-              <a:t>データ受信を行える、サーバである。</a:t>
-            </a:r>
-            <a:endParaRPr lang="en-US" altLang="ja-JP" dirty="0" smtClean="0"/>
-          </a:p>
-          <a:p>
-            <a:pPr marL="0" indent="0">
-              <a:buNone/>
-            </a:pPr>
+              <a:t>項２に対して、データ送信を行うことで、項１で</a:t>
+            </a:r>
             <a:r>
               <a:rPr lang="en-US" altLang="ja-JP" dirty="0" smtClean="0"/>
               <a:t>SSE</a:t>
@@ -4054,8 +4074,60 @@
               <a:t>ServerSentEvent</a:t>
             </a:r>
             <a:r>
+              <a:rPr lang="en-US" altLang="ja-JP" dirty="0" smtClean="0"/>
+              <a:t>)</a:t>
+            </a:r>
+            <a:r>
               <a:rPr lang="ja-JP" altLang="en-US" dirty="0" smtClean="0"/>
-              <a:t>）機能を用いて実装しているので、ブラウザがサポートしている場合は、利用できる。</a:t>
+              <a:t>受信待ちに対して、リアルタイムデータ受信が行える。</a:t>
+            </a:r>
+            <a:endParaRPr lang="en-US" altLang="ja-JP" dirty="0"/>
+          </a:p>
+          <a:p>
+            <a:pPr marL="0" indent="0">
+              <a:buNone/>
+            </a:pPr>
+            <a:endParaRPr lang="en-US" altLang="ja-JP" dirty="0" smtClean="0"/>
+          </a:p>
+          <a:p>
+            <a:pPr marL="0" indent="0">
+              <a:buNone/>
+            </a:pPr>
+            <a:r>
+              <a:rPr lang="en-US" altLang="ja-JP" dirty="0" smtClean="0"/>
+              <a:t>SSE</a:t>
+            </a:r>
+            <a:r>
+              <a:rPr lang="ja-JP" altLang="en-US" dirty="0" smtClean="0"/>
+              <a:t>（</a:t>
+            </a:r>
+            <a:r>
+              <a:rPr lang="en-US" altLang="ja-JP" dirty="0" err="1" smtClean="0"/>
+              <a:t>ServerSentEvent</a:t>
+            </a:r>
+            <a:r>
+              <a:rPr lang="ja-JP" altLang="en-US" dirty="0" smtClean="0"/>
+              <a:t>）機能を用いて実装しているので、ブラウザがサポートしている場合は</a:t>
+            </a:r>
+            <a:r>
+              <a:rPr lang="ja-JP" altLang="en-US" dirty="0" smtClean="0"/>
+              <a:t>、通常の</a:t>
+            </a:r>
+            <a:r>
+              <a:rPr lang="en-US" altLang="ja-JP" dirty="0" smtClean="0"/>
+              <a:t>HTTP</a:t>
+            </a:r>
+            <a:r>
+              <a:rPr lang="ja-JP" altLang="en-US" dirty="0" smtClean="0"/>
+              <a:t>プロトコルと同じく利用</a:t>
+            </a:r>
+            <a:r>
+              <a:rPr lang="ja-JP" altLang="en-US" dirty="0" smtClean="0"/>
+              <a:t>できる</a:t>
+            </a:r>
+            <a:r>
+              <a:rPr lang="ja-JP" altLang="en-US" dirty="0" smtClean="0"/>
+              <a:t>。</a:t>
             </a:r>
             <a:endParaRPr lang="en-US" altLang="ja-JP" dirty="0" smtClean="0"/>
           </a:p>
@@ -4065,6 +4137,300 @@
     <p:extLst>
       <p:ext uri="{BB962C8B-B14F-4D97-AF65-F5344CB8AC3E}">
         <p14:creationId xmlns:p14="http://schemas.microsoft.com/office/powerpoint/2010/main" val="3801541573"/>
+      </p:ext>
+    </p:extLst>
+  </p:cSld>
+  <p:clrMapOvr>
+    <a:masterClrMapping/>
+  </p:clrMapOvr>
+</p:sld>
+</file>
+
+<file path=ppt/slides/slide4.xml><?xml version="1.0" encoding="utf-8"?>
+<p:sld xmlns:a="http://schemas.openxmlformats.org/drawingml/2006/main" xmlns:r="http://schemas.openxmlformats.org/officeDocument/2006/relationships" xmlns:p="http://schemas.openxmlformats.org/presentationml/2006/main">
+  <p:cSld>
+    <p:spTree>
+      <p:nvGrpSpPr>
+        <p:cNvPr id="1" name=""/>
+        <p:cNvGrpSpPr/>
+        <p:nvPr/>
+      </p:nvGrpSpPr>
+      <p:grpSpPr>
+        <a:xfrm>
+          <a:off x="0" y="0"/>
+          <a:ext cx="0" cy="0"/>
+          <a:chOff x="0" y="0"/>
+          <a:chExt cx="0" cy="0"/>
+        </a:xfrm>
+      </p:grpSpPr>
+      <p:sp>
+        <p:nvSpPr>
+          <p:cNvPr id="2" name="タイトル 1"/>
+          <p:cNvSpPr>
+            <a:spLocks noGrp="1"/>
+          </p:cNvSpPr>
+          <p:nvPr>
+            <p:ph type="title"/>
+          </p:nvPr>
+        </p:nvSpPr>
+        <p:spPr/>
+        <p:txBody>
+          <a:bodyPr/>
+          <a:lstStyle/>
+          <a:p>
+            <a:r>
+              <a:rPr kumimoji="1" lang="ja-JP" altLang="en-US" dirty="0" smtClean="0"/>
+              <a:t>詳細</a:t>
+            </a:r>
+            <a:endParaRPr kumimoji="1" lang="ja-JP" altLang="en-US" dirty="0"/>
+          </a:p>
+        </p:txBody>
+      </p:sp>
+      <p:sp>
+        <p:nvSpPr>
+          <p:cNvPr id="3" name="コンテンツ プレースホルダー 2"/>
+          <p:cNvSpPr>
+            <a:spLocks noGrp="1"/>
+          </p:cNvSpPr>
+          <p:nvPr>
+            <p:ph idx="1"/>
+          </p:nvPr>
+        </p:nvSpPr>
+        <p:spPr/>
+        <p:txBody>
+          <a:bodyPr/>
+          <a:lstStyle/>
+          <a:p>
+            <a:pPr marL="0" indent="0">
+              <a:buNone/>
+            </a:pPr>
+            <a:r>
+              <a:rPr lang="ja-JP" altLang="en-US" dirty="0" smtClean="0"/>
+              <a:t>・単一でシーケンシャルな</a:t>
+            </a:r>
+            <a:r>
+              <a:rPr lang="en-US" altLang="ja-JP" dirty="0" smtClean="0"/>
+              <a:t>UUID</a:t>
+            </a:r>
+            <a:r>
+              <a:rPr lang="ja-JP" altLang="en-US" dirty="0" smtClean="0"/>
+              <a:t>を発行し、その</a:t>
+            </a:r>
+            <a:r>
+              <a:rPr lang="en-US" altLang="ja-JP" dirty="0" smtClean="0"/>
+              <a:t>UUID</a:t>
+            </a:r>
+            <a:r>
+              <a:rPr lang="ja-JP" altLang="en-US" dirty="0" smtClean="0"/>
+              <a:t>同士で、</a:t>
+            </a:r>
+            <a:r>
+              <a:rPr lang="en-US" altLang="ja-JP" dirty="0" smtClean="0"/>
+              <a:t>Reception</a:t>
+            </a:r>
+            <a:r>
+              <a:rPr lang="ja-JP" altLang="en-US" dirty="0" smtClean="0"/>
+              <a:t>と</a:t>
+            </a:r>
+            <a:r>
+              <a:rPr lang="en-US" altLang="ja-JP" dirty="0" smtClean="0"/>
+              <a:t>SSE</a:t>
+            </a:r>
+            <a:r>
+              <a:rPr lang="ja-JP" altLang="en-US" dirty="0" smtClean="0"/>
+              <a:t>の接続を行う。</a:t>
+            </a:r>
+            <a:endParaRPr lang="en-US" altLang="ja-JP" dirty="0" smtClean="0"/>
+          </a:p>
+          <a:p>
+            <a:pPr marL="0" indent="0">
+              <a:buNone/>
+            </a:pPr>
+            <a:endParaRPr lang="en-US" altLang="ja-JP" dirty="0" smtClean="0"/>
+          </a:p>
+          <a:p>
+            <a:pPr marL="0" indent="0">
+              <a:buNone/>
+            </a:pPr>
+            <a:r>
+              <a:rPr lang="ja-JP" altLang="en-US" dirty="0" smtClean="0"/>
+              <a:t>・</a:t>
+            </a:r>
+            <a:r>
+              <a:rPr lang="en-US" altLang="ja-JP" dirty="0" smtClean="0"/>
+              <a:t>Reception</a:t>
+            </a:r>
+            <a:r>
+              <a:rPr lang="ja-JP" altLang="en-US" dirty="0" smtClean="0"/>
+              <a:t>で受け付けたデータは</a:t>
+            </a:r>
+            <a:r>
+              <a:rPr lang="en-US" altLang="ja-JP" dirty="0" smtClean="0"/>
+              <a:t>Queue</a:t>
+            </a:r>
+            <a:r>
+              <a:rPr lang="ja-JP" altLang="en-US" dirty="0" smtClean="0"/>
+              <a:t>で管理しているので、確実に</a:t>
+            </a:r>
+            <a:r>
+              <a:rPr lang="en-US" altLang="ja-JP" dirty="0" smtClean="0"/>
+              <a:t>SSE</a:t>
+            </a:r>
+            <a:r>
+              <a:rPr lang="ja-JP" altLang="en-US" dirty="0" smtClean="0"/>
+              <a:t>受信側に送信できる。</a:t>
+            </a:r>
+            <a:endParaRPr lang="en-US" altLang="ja-JP" dirty="0" smtClean="0"/>
+          </a:p>
+          <a:p>
+            <a:pPr marL="0" indent="0">
+              <a:buNone/>
+            </a:pPr>
+            <a:r>
+              <a:rPr kumimoji="1" lang="ja-JP" altLang="en-US" dirty="0" smtClean="0"/>
+              <a:t>（ただし、サーバが定める</a:t>
+            </a:r>
+            <a:r>
+              <a:rPr kumimoji="1" lang="en-US" altLang="ja-JP" dirty="0" smtClean="0"/>
+              <a:t>Expire</a:t>
+            </a:r>
+            <a:r>
+              <a:rPr kumimoji="1" lang="ja-JP" altLang="en-US" dirty="0" smtClean="0"/>
+              <a:t>値を超える場合、データロストする）</a:t>
+            </a:r>
+            <a:endParaRPr kumimoji="1" lang="en-US" altLang="ja-JP" dirty="0" smtClean="0"/>
+          </a:p>
+          <a:p>
+            <a:pPr marL="0" indent="0">
+              <a:buNone/>
+            </a:pPr>
+            <a:endParaRPr kumimoji="1" lang="ja-JP" altLang="en-US" dirty="0"/>
+          </a:p>
+        </p:txBody>
+      </p:sp>
+    </p:spTree>
+    <p:extLst>
+      <p:ext uri="{BB962C8B-B14F-4D97-AF65-F5344CB8AC3E}">
+        <p14:creationId xmlns:p14="http://schemas.microsoft.com/office/powerpoint/2010/main" val="3240493338"/>
+      </p:ext>
+    </p:extLst>
+  </p:cSld>
+  <p:clrMapOvr>
+    <a:masterClrMapping/>
+  </p:clrMapOvr>
+</p:sld>
+</file>
+
+<file path=ppt/slides/slide5.xml><?xml version="1.0" encoding="utf-8"?>
+<p:sld xmlns:a="http://schemas.openxmlformats.org/drawingml/2006/main" xmlns:r="http://schemas.openxmlformats.org/officeDocument/2006/relationships" xmlns:p="http://schemas.openxmlformats.org/presentationml/2006/main">
+  <p:cSld>
+    <p:spTree>
+      <p:nvGrpSpPr>
+        <p:cNvPr id="1" name=""/>
+        <p:cNvGrpSpPr/>
+        <p:nvPr/>
+      </p:nvGrpSpPr>
+      <p:grpSpPr>
+        <a:xfrm>
+          <a:off x="0" y="0"/>
+          <a:ext cx="0" cy="0"/>
+          <a:chOff x="0" y="0"/>
+          <a:chExt cx="0" cy="0"/>
+        </a:xfrm>
+      </p:grpSpPr>
+      <p:sp>
+        <p:nvSpPr>
+          <p:cNvPr id="2" name="タイトル 1"/>
+          <p:cNvSpPr>
+            <a:spLocks noGrp="1"/>
+          </p:cNvSpPr>
+          <p:nvPr>
+            <p:ph type="title"/>
+          </p:nvPr>
+        </p:nvSpPr>
+        <p:spPr/>
+        <p:txBody>
+          <a:bodyPr/>
+          <a:lstStyle/>
+          <a:p>
+            <a:r>
+              <a:rPr kumimoji="1" lang="ja-JP" altLang="en-US" dirty="0" smtClean="0"/>
+              <a:t>利用想定</a:t>
+            </a:r>
+            <a:endParaRPr kumimoji="1" lang="ja-JP" altLang="en-US" dirty="0"/>
+          </a:p>
+        </p:txBody>
+      </p:sp>
+      <p:sp>
+        <p:nvSpPr>
+          <p:cNvPr id="3" name="コンテンツ プレースホルダー 2"/>
+          <p:cNvSpPr>
+            <a:spLocks noGrp="1"/>
+          </p:cNvSpPr>
+          <p:nvPr>
+            <p:ph idx="1"/>
+          </p:nvPr>
+        </p:nvSpPr>
+        <p:spPr/>
+        <p:txBody>
+          <a:bodyPr/>
+          <a:lstStyle/>
+          <a:p>
+            <a:pPr marL="0" indent="0">
+              <a:buNone/>
+            </a:pPr>
+            <a:r>
+              <a:rPr kumimoji="1" lang="ja-JP" altLang="en-US" dirty="0" smtClean="0"/>
+              <a:t>・リアルタイムなデータ</a:t>
+            </a:r>
+            <a:r>
+              <a:rPr kumimoji="1" lang="en-US" altLang="ja-JP" dirty="0" smtClean="0"/>
+              <a:t>Push</a:t>
+            </a:r>
+            <a:r>
+              <a:rPr kumimoji="1" lang="ja-JP" altLang="en-US" dirty="0" smtClean="0"/>
+              <a:t>が必要なシステム。</a:t>
+            </a:r>
+            <a:endParaRPr kumimoji="1" lang="en-US" altLang="ja-JP" dirty="0" smtClean="0"/>
+          </a:p>
+          <a:p>
+            <a:pPr marL="0" indent="0">
+              <a:buNone/>
+            </a:pPr>
+            <a:endParaRPr kumimoji="1" lang="en-US" altLang="ja-JP" dirty="0" smtClean="0"/>
+          </a:p>
+          <a:p>
+            <a:pPr marL="0" indent="0">
+              <a:buNone/>
+            </a:pPr>
+            <a:r>
+              <a:rPr lang="ja-JP" altLang="en-US" dirty="0" smtClean="0"/>
+              <a:t>・現在のバージョン（１．０．０）ではグループ配信機能は無いので、グループチャットなどには、向いていない。</a:t>
+            </a:r>
+            <a:endParaRPr lang="en-US" altLang="ja-JP" dirty="0" smtClean="0"/>
+          </a:p>
+          <a:p>
+            <a:pPr marL="0" indent="0">
+              <a:buNone/>
+            </a:pPr>
+            <a:endParaRPr lang="en-US" altLang="ja-JP" dirty="0" smtClean="0"/>
+          </a:p>
+          <a:p>
+            <a:pPr marL="0" indent="0">
+              <a:buNone/>
+            </a:pPr>
+            <a:r>
+              <a:rPr lang="ja-JP" altLang="en-US" dirty="0" smtClean="0"/>
+              <a:t>・逆に１対１のチャットシステムのようなものには向いている。</a:t>
+            </a:r>
+            <a:endParaRPr lang="en-US" altLang="ja-JP" dirty="0" smtClean="0"/>
+          </a:p>
+        </p:txBody>
+      </p:sp>
+    </p:spTree>
+    <p:extLst>
+      <p:ext uri="{BB962C8B-B14F-4D97-AF65-F5344CB8AC3E}">
+        <p14:creationId xmlns:p14="http://schemas.microsoft.com/office/powerpoint/2010/main" val="289506091"/>
       </p:ext>
     </p:extLst>
   </p:cSld>

--- a/doc/HttpPush説明.pptx
+++ b/doc/HttpPush説明.pptx
@@ -10,6 +10,7 @@
     <p:sldId id="258" r:id="rId4"/>
     <p:sldId id="259" r:id="rId5"/>
     <p:sldId id="260" r:id="rId6"/>
+    <p:sldId id="261" r:id="rId7"/>
   </p:sldIdLst>
   <p:sldSz cx="12192000" cy="6858000"/>
   <p:notesSz cx="6858000" cy="9144000"/>
@@ -3317,11 +3318,7 @@
             </a:r>
             <a:r>
               <a:rPr kumimoji="1" lang="ja-JP" altLang="en-US" dirty="0" smtClean="0"/>
-              <a:t>データ</a:t>
-            </a:r>
-            <a:r>
-              <a:rPr kumimoji="1" lang="ja-JP" altLang="en-US" dirty="0" smtClean="0"/>
-              <a:t>配信</a:t>
+              <a:t>データ配信</a:t>
             </a:r>
             <a:r>
               <a:rPr lang="ja-JP" altLang="en-US" dirty="0"/>
@@ -4017,11 +4014,7 @@
             </a:r>
             <a:r>
               <a:rPr kumimoji="1" lang="ja-JP" altLang="en-US" dirty="0" smtClean="0"/>
-              <a:t>接続部）</a:t>
-            </a:r>
-            <a:r>
-              <a:rPr kumimoji="1" lang="ja-JP" altLang="en-US" dirty="0" smtClean="0"/>
-              <a:t>に</a:t>
+              <a:t>接続部）に</a:t>
             </a:r>
             <a:r>
               <a:rPr lang="ja-JP" altLang="en-US" dirty="0" smtClean="0"/>
@@ -4107,11 +4100,7 @@
             </a:r>
             <a:r>
               <a:rPr lang="ja-JP" altLang="en-US" dirty="0" smtClean="0"/>
-              <a:t>）機能を用いて実装しているので、ブラウザがサポートしている場合は</a:t>
-            </a:r>
-            <a:r>
-              <a:rPr lang="ja-JP" altLang="en-US" dirty="0" smtClean="0"/>
-              <a:t>、通常の</a:t>
+              <a:t>）機能を用いて実装しているので、ブラウザがサポートしている場合は、通常の</a:t>
             </a:r>
             <a:r>
               <a:rPr lang="en-US" altLang="ja-JP" dirty="0" smtClean="0"/>
@@ -4119,15 +4108,7 @@
             </a:r>
             <a:r>
               <a:rPr lang="ja-JP" altLang="en-US" dirty="0" smtClean="0"/>
-              <a:t>プロトコルと同じく利用</a:t>
-            </a:r>
-            <a:r>
-              <a:rPr lang="ja-JP" altLang="en-US" dirty="0" smtClean="0"/>
-              <a:t>できる</a:t>
-            </a:r>
-            <a:r>
-              <a:rPr lang="ja-JP" altLang="en-US" dirty="0" smtClean="0"/>
-              <a:t>。</a:t>
+              <a:t>プロトコルと同じく利用できる。</a:t>
             </a:r>
             <a:endParaRPr lang="en-US" altLang="ja-JP" dirty="0" smtClean="0"/>
           </a:p>
@@ -4431,6 +4412,165 @@
     <p:extLst>
       <p:ext uri="{BB962C8B-B14F-4D97-AF65-F5344CB8AC3E}">
         <p14:creationId xmlns:p14="http://schemas.microsoft.com/office/powerpoint/2010/main" val="289506091"/>
+      </p:ext>
+    </p:extLst>
+  </p:cSld>
+  <p:clrMapOvr>
+    <a:masterClrMapping/>
+  </p:clrMapOvr>
+</p:sld>
+</file>
+
+<file path=ppt/slides/slide6.xml><?xml version="1.0" encoding="utf-8"?>
+<p:sld xmlns:a="http://schemas.openxmlformats.org/drawingml/2006/main" xmlns:r="http://schemas.openxmlformats.org/officeDocument/2006/relationships" xmlns:p="http://schemas.openxmlformats.org/presentationml/2006/main">
+  <p:cSld>
+    <p:spTree>
+      <p:nvGrpSpPr>
+        <p:cNvPr id="1" name=""/>
+        <p:cNvGrpSpPr/>
+        <p:nvPr/>
+      </p:nvGrpSpPr>
+      <p:grpSpPr>
+        <a:xfrm>
+          <a:off x="0" y="0"/>
+          <a:ext cx="0" cy="0"/>
+          <a:chOff x="0" y="0"/>
+          <a:chExt cx="0" cy="0"/>
+        </a:xfrm>
+      </p:grpSpPr>
+      <p:sp>
+        <p:nvSpPr>
+          <p:cNvPr id="2" name="タイトル 1"/>
+          <p:cNvSpPr>
+            <a:spLocks noGrp="1"/>
+          </p:cNvSpPr>
+          <p:nvPr>
+            <p:ph type="title"/>
+          </p:nvPr>
+        </p:nvSpPr>
+        <p:spPr/>
+        <p:txBody>
+          <a:bodyPr/>
+          <a:lstStyle/>
+          <a:p>
+            <a:r>
+              <a:rPr kumimoji="1" lang="ja-JP" altLang="en-US" dirty="0" smtClean="0"/>
+              <a:t>問題点・課題</a:t>
+            </a:r>
+            <a:endParaRPr kumimoji="1" lang="ja-JP" altLang="en-US" dirty="0"/>
+          </a:p>
+        </p:txBody>
+      </p:sp>
+      <p:sp>
+        <p:nvSpPr>
+          <p:cNvPr id="3" name="コンテンツ プレースホルダー 2"/>
+          <p:cNvSpPr>
+            <a:spLocks noGrp="1"/>
+          </p:cNvSpPr>
+          <p:nvPr>
+            <p:ph idx="1"/>
+          </p:nvPr>
+        </p:nvSpPr>
+        <p:spPr/>
+        <p:txBody>
+          <a:bodyPr/>
+          <a:lstStyle/>
+          <a:p>
+            <a:pPr marL="0" indent="0">
+              <a:buNone/>
+            </a:pPr>
+            <a:r>
+              <a:rPr kumimoji="1" lang="ja-JP" altLang="en-US" dirty="0" smtClean="0"/>
+              <a:t>・</a:t>
+            </a:r>
+            <a:r>
+              <a:rPr kumimoji="1" lang="en-US" altLang="ja-JP" dirty="0" smtClean="0"/>
+              <a:t>reception</a:t>
+            </a:r>
+            <a:r>
+              <a:rPr kumimoji="1" lang="ja-JP" altLang="en-US" dirty="0" smtClean="0"/>
+              <a:t>と</a:t>
+            </a:r>
+            <a:r>
+              <a:rPr kumimoji="1" lang="en-US" altLang="ja-JP" dirty="0" err="1" smtClean="0"/>
+              <a:t>sse</a:t>
+            </a:r>
+            <a:r>
+              <a:rPr kumimoji="1" lang="ja-JP" altLang="en-US" dirty="0" smtClean="0"/>
+              <a:t>との接続に対して、セキュリティが無い。</a:t>
+            </a:r>
+            <a:r>
+              <a:rPr lang="ja-JP" altLang="en-US" dirty="0" smtClean="0"/>
+              <a:t>問題と</a:t>
+            </a:r>
+            <a:r>
+              <a:rPr lang="ja-JP" altLang="en-US" smtClean="0"/>
+              <a:t>しては</a:t>
+            </a:r>
+            <a:r>
+              <a:rPr lang="en-US" altLang="ja-JP" smtClean="0"/>
+              <a:t>UUID</a:t>
+            </a:r>
+            <a:r>
+              <a:rPr lang="ja-JP" altLang="en-US" dirty="0" smtClean="0"/>
+              <a:t>が分かれば、誰でも接続できてしまう。</a:t>
+            </a:r>
+            <a:endParaRPr lang="en-US" altLang="ja-JP" dirty="0" smtClean="0"/>
+          </a:p>
+          <a:p>
+            <a:pPr marL="0" indent="0">
+              <a:buNone/>
+            </a:pPr>
+            <a:endParaRPr kumimoji="1" lang="en-US" altLang="ja-JP" dirty="0" smtClean="0"/>
+          </a:p>
+          <a:p>
+            <a:pPr marL="0" indent="0">
+              <a:buNone/>
+            </a:pPr>
+            <a:r>
+              <a:rPr kumimoji="1" lang="ja-JP" altLang="en-US" dirty="0" smtClean="0"/>
+              <a:t>・</a:t>
+            </a:r>
+            <a:r>
+              <a:rPr kumimoji="1" lang="en-US" altLang="ja-JP" dirty="0" smtClean="0"/>
+              <a:t>Client</a:t>
+            </a:r>
+            <a:r>
+              <a:rPr lang="ja-JP" altLang="en-US" dirty="0" smtClean="0"/>
+              <a:t>が切断された時に、再接続しない。</a:t>
+            </a:r>
+            <a:endParaRPr lang="en-US" altLang="ja-JP" dirty="0" smtClean="0"/>
+          </a:p>
+          <a:p>
+            <a:pPr marL="0" indent="0">
+              <a:buNone/>
+            </a:pPr>
+            <a:endParaRPr lang="en-US" altLang="ja-JP" dirty="0" smtClean="0"/>
+          </a:p>
+          <a:p>
+            <a:pPr marL="0" indent="0">
+              <a:buNone/>
+            </a:pPr>
+            <a:r>
+              <a:rPr lang="ja-JP" altLang="en-US" dirty="0" smtClean="0"/>
+              <a:t>・複数台</a:t>
+            </a:r>
+            <a:r>
+              <a:rPr lang="en-US" altLang="ja-JP" dirty="0" err="1" smtClean="0"/>
+              <a:t>HttpPush</a:t>
+            </a:r>
+            <a:r>
+              <a:rPr lang="ja-JP" altLang="en-US" dirty="0" smtClean="0"/>
+              <a:t>サーバを起動しても、スケールしない。</a:t>
+            </a:r>
+            <a:endParaRPr lang="en-US" altLang="ja-JP" dirty="0" smtClean="0"/>
+          </a:p>
+        </p:txBody>
+      </p:sp>
+    </p:spTree>
+    <p:extLst>
+      <p:ext uri="{BB962C8B-B14F-4D97-AF65-F5344CB8AC3E}">
+        <p14:creationId xmlns:p14="http://schemas.microsoft.com/office/powerpoint/2010/main" val="3356873574"/>
       </p:ext>
     </p:extLst>
   </p:cSld>

--- a/doc/HttpPush説明.pptx
+++ b/doc/HttpPush説明.pptx
@@ -6,10 +6,10 @@
   </p:sldMasterIdLst>
   <p:sldIdLst>
     <p:sldId id="256" r:id="rId2"/>
-    <p:sldId id="257" r:id="rId3"/>
-    <p:sldId id="258" r:id="rId4"/>
-    <p:sldId id="259" r:id="rId5"/>
-    <p:sldId id="260" r:id="rId6"/>
+    <p:sldId id="262" r:id="rId3"/>
+    <p:sldId id="263" r:id="rId4"/>
+    <p:sldId id="257" r:id="rId5"/>
+    <p:sldId id="258" r:id="rId6"/>
     <p:sldId id="261" r:id="rId7"/>
   </p:sldIdLst>
   <p:sldSz cx="12192000" cy="6858000"/>
@@ -248,7 +248,7 @@
           <a:p>
             <a:fld id="{7D22EB24-C12F-4FB2-9082-500F2E93DE4E}" type="datetimeFigureOut">
               <a:rPr kumimoji="1" lang="ja-JP" altLang="en-US" smtClean="0"/>
-              <a:t>2017/7/20</a:t>
+              <a:t>2017/7/31</a:t>
             </a:fld>
             <a:endParaRPr kumimoji="1" lang="ja-JP" altLang="en-US"/>
           </a:p>
@@ -450,7 +450,7 @@
           <a:p>
             <a:fld id="{7D22EB24-C12F-4FB2-9082-500F2E93DE4E}" type="datetimeFigureOut">
               <a:rPr kumimoji="1" lang="ja-JP" altLang="en-US" smtClean="0"/>
-              <a:t>2017/7/20</a:t>
+              <a:t>2017/7/31</a:t>
             </a:fld>
             <a:endParaRPr kumimoji="1" lang="ja-JP" altLang="en-US"/>
           </a:p>
@@ -662,7 +662,7 @@
           <a:p>
             <a:fld id="{7D22EB24-C12F-4FB2-9082-500F2E93DE4E}" type="datetimeFigureOut">
               <a:rPr kumimoji="1" lang="ja-JP" altLang="en-US" smtClean="0"/>
-              <a:t>2017/7/20</a:t>
+              <a:t>2017/7/31</a:t>
             </a:fld>
             <a:endParaRPr kumimoji="1" lang="ja-JP" altLang="en-US"/>
           </a:p>
@@ -864,7 +864,7 @@
           <a:p>
             <a:fld id="{7D22EB24-C12F-4FB2-9082-500F2E93DE4E}" type="datetimeFigureOut">
               <a:rPr kumimoji="1" lang="ja-JP" altLang="en-US" smtClean="0"/>
-              <a:t>2017/7/20</a:t>
+              <a:t>2017/7/31</a:t>
             </a:fld>
             <a:endParaRPr kumimoji="1" lang="ja-JP" altLang="en-US"/>
           </a:p>
@@ -1110,7 +1110,7 @@
           <a:p>
             <a:fld id="{7D22EB24-C12F-4FB2-9082-500F2E93DE4E}" type="datetimeFigureOut">
               <a:rPr kumimoji="1" lang="ja-JP" altLang="en-US" smtClean="0"/>
-              <a:t>2017/7/20</a:t>
+              <a:t>2017/7/31</a:t>
             </a:fld>
             <a:endParaRPr kumimoji="1" lang="ja-JP" altLang="en-US"/>
           </a:p>
@@ -1406,7 +1406,7 @@
           <a:p>
             <a:fld id="{7D22EB24-C12F-4FB2-9082-500F2E93DE4E}" type="datetimeFigureOut">
               <a:rPr kumimoji="1" lang="ja-JP" altLang="en-US" smtClean="0"/>
-              <a:t>2017/7/20</a:t>
+              <a:t>2017/7/31</a:t>
             </a:fld>
             <a:endParaRPr kumimoji="1" lang="ja-JP" altLang="en-US"/>
           </a:p>
@@ -1837,7 +1837,7 @@
           <a:p>
             <a:fld id="{7D22EB24-C12F-4FB2-9082-500F2E93DE4E}" type="datetimeFigureOut">
               <a:rPr kumimoji="1" lang="ja-JP" altLang="en-US" smtClean="0"/>
-              <a:t>2017/7/20</a:t>
+              <a:t>2017/7/31</a:t>
             </a:fld>
             <a:endParaRPr kumimoji="1" lang="ja-JP" altLang="en-US"/>
           </a:p>
@@ -1955,7 +1955,7 @@
           <a:p>
             <a:fld id="{7D22EB24-C12F-4FB2-9082-500F2E93DE4E}" type="datetimeFigureOut">
               <a:rPr kumimoji="1" lang="ja-JP" altLang="en-US" smtClean="0"/>
-              <a:t>2017/7/20</a:t>
+              <a:t>2017/7/31</a:t>
             </a:fld>
             <a:endParaRPr kumimoji="1" lang="ja-JP" altLang="en-US"/>
           </a:p>
@@ -2050,7 +2050,7 @@
           <a:p>
             <a:fld id="{7D22EB24-C12F-4FB2-9082-500F2E93DE4E}" type="datetimeFigureOut">
               <a:rPr kumimoji="1" lang="ja-JP" altLang="en-US" smtClean="0"/>
-              <a:t>2017/7/20</a:t>
+              <a:t>2017/7/31</a:t>
             </a:fld>
             <a:endParaRPr kumimoji="1" lang="ja-JP" altLang="en-US"/>
           </a:p>
@@ -2359,7 +2359,7 @@
           <a:p>
             <a:fld id="{7D22EB24-C12F-4FB2-9082-500F2E93DE4E}" type="datetimeFigureOut">
               <a:rPr kumimoji="1" lang="ja-JP" altLang="en-US" smtClean="0"/>
-              <a:t>2017/7/20</a:t>
+              <a:t>2017/7/31</a:t>
             </a:fld>
             <a:endParaRPr kumimoji="1" lang="ja-JP" altLang="en-US"/>
           </a:p>
@@ -2612,7 +2612,7 @@
           <a:p>
             <a:fld id="{7D22EB24-C12F-4FB2-9082-500F2E93DE4E}" type="datetimeFigureOut">
               <a:rPr kumimoji="1" lang="ja-JP" altLang="en-US" smtClean="0"/>
-              <a:t>2017/7/20</a:t>
+              <a:t>2017/7/31</a:t>
             </a:fld>
             <a:endParaRPr kumimoji="1" lang="ja-JP" altLang="en-US"/>
           </a:p>
@@ -2857,7 +2857,7 @@
           <a:p>
             <a:fld id="{7D22EB24-C12F-4FB2-9082-500F2E93DE4E}" type="datetimeFigureOut">
               <a:rPr kumimoji="1" lang="ja-JP" altLang="en-US" smtClean="0"/>
-              <a:t>2017/7/20</a:t>
+              <a:t>2017/7/31</a:t>
             </a:fld>
             <a:endParaRPr kumimoji="1" lang="ja-JP" altLang="en-US"/>
           </a:p>
@@ -3318,11 +3318,15 @@
             </a:r>
             <a:r>
               <a:rPr kumimoji="1" lang="ja-JP" altLang="en-US" dirty="0" smtClean="0"/>
-              <a:t>データ配信</a:t>
-            </a:r>
-            <a:r>
-              <a:rPr lang="ja-JP" altLang="en-US" dirty="0"/>
-              <a:t>サービス</a:t>
+              <a:t>データ</a:t>
+            </a:r>
+            <a:r>
+              <a:rPr kumimoji="1" lang="ja-JP" altLang="en-US" dirty="0" smtClean="0"/>
+              <a:t>配信</a:t>
+            </a:r>
+            <a:r>
+              <a:rPr lang="ja-JP" altLang="en-US" dirty="0" smtClean="0"/>
+              <a:t>サーバアプリケーション</a:t>
             </a:r>
             <a:endParaRPr kumimoji="1" lang="ja-JP" altLang="en-US" dirty="0"/>
           </a:p>
@@ -3360,138 +3364,29 @@
       </p:grpSpPr>
       <p:sp>
         <p:nvSpPr>
-          <p:cNvPr id="21" name="フローチャート: 磁気ディスク 20"/>
-          <p:cNvSpPr/>
-          <p:nvPr/>
+          <p:cNvPr id="2" name="タイトル 1"/>
+          <p:cNvSpPr>
+            <a:spLocks noGrp="1"/>
+          </p:cNvSpPr>
+          <p:nvPr>
+            <p:ph type="title"/>
+          </p:nvPr>
         </p:nvSpPr>
         <p:spPr>
           <a:xfrm>
-            <a:off x="4587857" y="3721100"/>
-            <a:ext cx="2629246" cy="1536700"/>
-          </a:xfrm>
-          <a:prstGeom prst="flowChartMagneticDisk">
-            <a:avLst/>
-          </a:prstGeom>
-          <a:noFill/>
-        </p:spPr>
-        <p:style>
-          <a:lnRef idx="2">
-            <a:schemeClr val="accent1">
-              <a:shade val="50000"/>
-            </a:schemeClr>
-          </a:lnRef>
-          <a:fillRef idx="1">
-            <a:schemeClr val="accent1"/>
-          </a:fillRef>
-          <a:effectRef idx="0">
-            <a:schemeClr val="accent1"/>
-          </a:effectRef>
-          <a:fontRef idx="minor">
-            <a:schemeClr val="lt1"/>
-          </a:fontRef>
-        </p:style>
-        <p:txBody>
-          <a:bodyPr rtlCol="0" anchor="ctr"/>
-          <a:lstStyle/>
-          <a:p>
-            <a:pPr algn="ctr"/>
-            <a:endParaRPr kumimoji="1" lang="ja-JP" altLang="en-US"/>
-          </a:p>
-        </p:txBody>
-      </p:sp>
-      <p:sp>
-        <p:nvSpPr>
-          <p:cNvPr id="2" name="タイトル 1"/>
-          <p:cNvSpPr>
-            <a:spLocks noGrp="1"/>
-          </p:cNvSpPr>
-          <p:nvPr>
-            <p:ph type="title"/>
-          </p:nvPr>
-        </p:nvSpPr>
-        <p:spPr/>
-        <p:txBody>
-          <a:bodyPr/>
-          <a:lstStyle/>
-          <a:p>
-            <a:r>
-              <a:rPr lang="ja-JP" altLang="en-US" dirty="0"/>
-              <a:t>構成</a:t>
-            </a:r>
-            <a:endParaRPr kumimoji="1" lang="ja-JP" altLang="en-US" dirty="0"/>
-          </a:p>
-        </p:txBody>
-      </p:sp>
-      <p:sp>
-        <p:nvSpPr>
-          <p:cNvPr id="4" name="正方形/長方形 3"/>
-          <p:cNvSpPr/>
-          <p:nvPr/>
-        </p:nvSpPr>
-        <p:spPr>
-          <a:xfrm>
-            <a:off x="4473730" y="1690688"/>
-            <a:ext cx="2857500" cy="4976812"/>
-          </a:xfrm>
-          <a:prstGeom prst="rect">
-            <a:avLst/>
-          </a:prstGeom>
-          <a:noFill/>
-        </p:spPr>
-        <p:style>
-          <a:lnRef idx="2">
-            <a:schemeClr val="accent1">
-              <a:shade val="50000"/>
-            </a:schemeClr>
-          </a:lnRef>
-          <a:fillRef idx="1">
-            <a:schemeClr val="accent1"/>
-          </a:fillRef>
-          <a:effectRef idx="0">
-            <a:schemeClr val="accent1"/>
-          </a:effectRef>
-          <a:fontRef idx="minor">
-            <a:schemeClr val="lt1"/>
-          </a:fontRef>
-        </p:style>
-        <p:txBody>
-          <a:bodyPr rtlCol="0" anchor="ctr"/>
-          <a:lstStyle/>
-          <a:p>
-            <a:pPr algn="ctr"/>
-            <a:endParaRPr kumimoji="1" lang="ja-JP" altLang="en-US"/>
-          </a:p>
-        </p:txBody>
-      </p:sp>
-      <p:sp>
-        <p:nvSpPr>
-          <p:cNvPr id="5" name="テキスト ボックス 4"/>
-          <p:cNvSpPr txBox="1"/>
-          <p:nvPr/>
-        </p:nvSpPr>
-        <p:spPr>
-          <a:xfrm>
-            <a:off x="5034325" y="1283196"/>
-            <a:ext cx="1736309" cy="369332"/>
-          </a:xfrm>
-          <a:prstGeom prst="rect">
-            <a:avLst/>
-          </a:prstGeom>
-          <a:noFill/>
-        </p:spPr>
-        <p:txBody>
-          <a:bodyPr wrap="none" rtlCol="0">
-            <a:spAutoFit/>
+            <a:off x="0" y="198639"/>
+            <a:ext cx="10515600" cy="614952"/>
+          </a:xfrm>
+        </p:spPr>
+        <p:txBody>
+          <a:bodyPr>
+            <a:normAutofit fontScale="90000"/>
           </a:bodyPr>
           <a:lstStyle/>
           <a:p>
             <a:r>
-              <a:rPr kumimoji="1" lang="en-US" altLang="ja-JP" dirty="0" err="1" smtClean="0"/>
-              <a:t>HttpPush</a:t>
-            </a:r>
-            <a:r>
-              <a:rPr lang="ja-JP" altLang="en-US" dirty="0"/>
-              <a:t>サーバ</a:t>
+              <a:rPr kumimoji="1" lang="ja-JP" altLang="en-US" dirty="0" smtClean="0"/>
+              <a:t>　利用イメージ</a:t>
             </a:r>
             <a:endParaRPr kumimoji="1" lang="ja-JP" altLang="en-US" dirty="0"/>
           </a:p>
@@ -3499,14 +3394,38 @@
       </p:sp>
       <p:pic>
         <p:nvPicPr>
-          <p:cNvPr id="7" name="図 6"/>
+          <p:cNvPr id="9" name="図 8"/>
           <p:cNvPicPr>
             <a:picLocks noChangeAspect="1"/>
           </p:cNvPicPr>
           <p:nvPr/>
         </p:nvPicPr>
         <p:blipFill>
-          <a:blip r:embed="rId2" cstate="print">
+          <a:blip r:embed="rId2"/>
+          <a:stretch>
+            <a:fillRect/>
+          </a:stretch>
+        </p:blipFill>
+        <p:spPr>
+          <a:xfrm>
+            <a:off x="4920024" y="2039077"/>
+            <a:ext cx="3322275" cy="3005868"/>
+          </a:xfrm>
+          <a:prstGeom prst="rect">
+            <a:avLst/>
+          </a:prstGeom>
+        </p:spPr>
+      </p:pic>
+      <p:pic>
+        <p:nvPicPr>
+          <p:cNvPr id="10" name="図 9"/>
+          <p:cNvPicPr>
+            <a:picLocks noChangeAspect="1"/>
+          </p:cNvPicPr>
+          <p:nvPr/>
+        </p:nvPicPr>
+        <p:blipFill>
+          <a:blip r:embed="rId3" cstate="print">
             <a:extLst>
               <a:ext uri="{28A0092B-C50C-407E-A947-70E740481C1C}">
                 <a14:useLocalDpi xmlns:a14="http://schemas.microsoft.com/office/drawing/2010/main" val="0"/>
@@ -3519,7 +3438,7 @@
         </p:blipFill>
         <p:spPr>
           <a:xfrm>
-            <a:off x="336344" y="3625185"/>
+            <a:off x="0" y="1376363"/>
             <a:ext cx="1930400" cy="1447800"/>
           </a:xfrm>
           <a:prstGeom prst="rect">
@@ -3529,14 +3448,38 @@
       </p:pic>
       <p:pic>
         <p:nvPicPr>
-          <p:cNvPr id="8" name="図 7"/>
+          <p:cNvPr id="12" name="図 11"/>
           <p:cNvPicPr>
             <a:picLocks noChangeAspect="1"/>
           </p:cNvPicPr>
           <p:nvPr/>
         </p:nvPicPr>
         <p:blipFill>
-          <a:blip r:embed="rId2" cstate="print">
+          <a:blip r:embed="rId4"/>
+          <a:stretch>
+            <a:fillRect/>
+          </a:stretch>
+        </p:blipFill>
+        <p:spPr>
+          <a:xfrm>
+            <a:off x="393700" y="3267075"/>
+            <a:ext cx="1536700" cy="1035472"/>
+          </a:xfrm>
+          <a:prstGeom prst="rect">
+            <a:avLst/>
+          </a:prstGeom>
+        </p:spPr>
+      </p:pic>
+      <p:pic>
+        <p:nvPicPr>
+          <p:cNvPr id="14" name="図 13"/>
+          <p:cNvPicPr>
+            <a:picLocks noChangeAspect="1"/>
+          </p:cNvPicPr>
+          <p:nvPr/>
+        </p:nvPicPr>
+        <p:blipFill>
+          <a:blip r:embed="rId3" cstate="print">
             <a:extLst>
               <a:ext uri="{28A0092B-C50C-407E-A947-70E740481C1C}">
                 <a14:useLocalDpi xmlns:a14="http://schemas.microsoft.com/office/drawing/2010/main" val="0"/>
@@ -3549,7 +3492,7 @@
         </p:blipFill>
         <p:spPr>
           <a:xfrm>
-            <a:off x="10045700" y="1690688"/>
+            <a:off x="9982200" y="4926127"/>
             <a:ext cx="1930400" cy="1447800"/>
           </a:xfrm>
           <a:prstGeom prst="rect">
@@ -3557,16 +3500,40 @@
           </a:prstGeom>
         </p:spPr>
       </p:pic>
+      <p:pic>
+        <p:nvPicPr>
+          <p:cNvPr id="15" name="図 14"/>
+          <p:cNvPicPr>
+            <a:picLocks noChangeAspect="1"/>
+          </p:cNvPicPr>
+          <p:nvPr/>
+        </p:nvPicPr>
+        <p:blipFill>
+          <a:blip r:embed="rId4"/>
+          <a:stretch>
+            <a:fillRect/>
+          </a:stretch>
+        </p:blipFill>
+        <p:spPr>
+          <a:xfrm>
+            <a:off x="10315575" y="1510600"/>
+            <a:ext cx="1536700" cy="1035472"/>
+          </a:xfrm>
+          <a:prstGeom prst="rect">
+            <a:avLst/>
+          </a:prstGeom>
+        </p:spPr>
+      </p:pic>
       <p:cxnSp>
         <p:nvCxnSpPr>
-          <p:cNvPr id="10" name="直線矢印コネクタ 9"/>
+          <p:cNvPr id="18" name="直線矢印コネクタ 17"/>
           <p:cNvCxnSpPr/>
           <p:nvPr/>
         </p:nvCxnSpPr>
         <p:spPr>
           <a:xfrm flipH="1">
-            <a:off x="7315200" y="2414588"/>
-            <a:ext cx="3213100" cy="0"/>
+            <a:off x="7391400" y="2028336"/>
+            <a:ext cx="2727325" cy="702164"/>
           </a:xfrm>
           <a:prstGeom prst="straightConnector1">
             <a:avLst/>
@@ -3590,57 +3557,16 @@
           </a:fontRef>
         </p:style>
       </p:cxnSp>
-      <p:sp>
-        <p:nvSpPr>
-          <p:cNvPr id="11" name="テキスト ボックス 10"/>
-          <p:cNvSpPr txBox="1"/>
-          <p:nvPr/>
-        </p:nvSpPr>
-        <p:spPr>
-          <a:xfrm>
-            <a:off x="7466063" y="1983700"/>
-            <a:ext cx="2911374" cy="430887"/>
-          </a:xfrm>
-          <a:prstGeom prst="rect">
-            <a:avLst/>
-          </a:prstGeom>
-          <a:noFill/>
-        </p:spPr>
-        <p:txBody>
-          <a:bodyPr wrap="none" rtlCol="0">
-            <a:spAutoFit/>
-          </a:bodyPr>
-          <a:lstStyle/>
-          <a:p>
-            <a:r>
-              <a:rPr kumimoji="1" lang="en-US" altLang="ja-JP" sz="1100" dirty="0" smtClean="0"/>
-              <a:t>Send </a:t>
-            </a:r>
-            <a:r>
-              <a:rPr lang="en-US" altLang="ja-JP" sz="1100" dirty="0" smtClean="0"/>
-              <a:t>0000015d-2890-fcf4-0000-000000000001</a:t>
-            </a:r>
-            <a:br>
-              <a:rPr lang="en-US" altLang="ja-JP" sz="1100" dirty="0" smtClean="0"/>
-            </a:br>
-            <a:r>
-              <a:rPr lang="en-US" altLang="ja-JP" sz="1100" dirty="0" smtClean="0"/>
-              <a:t>{message : “hello” }</a:t>
-            </a:r>
-            <a:endParaRPr kumimoji="1" lang="ja-JP" altLang="en-US" sz="1100" dirty="0"/>
-          </a:p>
-        </p:txBody>
-      </p:sp>
       <p:cxnSp>
         <p:nvCxnSpPr>
-          <p:cNvPr id="12" name="直線矢印コネクタ 11"/>
+          <p:cNvPr id="20" name="直線矢印コネクタ 19"/>
           <p:cNvCxnSpPr/>
           <p:nvPr/>
         </p:nvCxnSpPr>
         <p:spPr>
-          <a:xfrm flipH="1" flipV="1">
-            <a:off x="1759260" y="4380271"/>
-            <a:ext cx="2927043" cy="13931"/>
+          <a:xfrm flipH="1">
+            <a:off x="8077199" y="3809867"/>
+            <a:ext cx="1905001" cy="0"/>
           </a:xfrm>
           <a:prstGeom prst="straightConnector1">
             <a:avLst/>
@@ -3664,84 +3590,16 @@
           </a:fontRef>
         </p:style>
       </p:cxnSp>
-      <p:sp>
-        <p:nvSpPr>
-          <p:cNvPr id="14" name="テキスト ボックス 13"/>
-          <p:cNvSpPr txBox="1"/>
-          <p:nvPr/>
-        </p:nvSpPr>
-        <p:spPr>
-          <a:xfrm>
-            <a:off x="4587857" y="4262210"/>
-            <a:ext cx="2629246" cy="1107996"/>
-          </a:xfrm>
-          <a:prstGeom prst="rect">
-            <a:avLst/>
-          </a:prstGeom>
-          <a:noFill/>
-        </p:spPr>
-        <p:txBody>
-          <a:bodyPr wrap="none" rtlCol="0">
-            <a:spAutoFit/>
-          </a:bodyPr>
-          <a:lstStyle/>
-          <a:p>
-            <a:pPr algn="ctr"/>
-            <a:r>
-              <a:rPr lang="en-US" altLang="ja-JP" sz="1100" dirty="0" smtClean="0"/>
-              <a:t>0000015d-2890-fcf4-0000-000000000001</a:t>
-            </a:r>
-          </a:p>
-          <a:p>
-            <a:pPr algn="ctr"/>
-            <a:r>
-              <a:rPr lang="en-US" altLang="ja-JP" sz="1100" dirty="0" smtClean="0"/>
-              <a:t>0000015d-2cf6-05ce-0000-000000000001</a:t>
-            </a:r>
-          </a:p>
-          <a:p>
-            <a:pPr algn="ctr"/>
-            <a:r>
-              <a:rPr lang="en-US" altLang="ja-JP" sz="1100" dirty="0" smtClean="0"/>
-              <a:t>0000015d-2cf6-d2d0-0000-000000000001</a:t>
-            </a:r>
-          </a:p>
-          <a:p>
-            <a:pPr algn="ctr"/>
-            <a:r>
-              <a:rPr lang="ja-JP" altLang="en-US" sz="1100" dirty="0" smtClean="0"/>
-              <a:t>・</a:t>
-            </a:r>
-            <a:endParaRPr lang="en-US" altLang="ja-JP" sz="1100" dirty="0" smtClean="0"/>
-          </a:p>
-          <a:p>
-            <a:pPr algn="ctr"/>
-            <a:r>
-              <a:rPr lang="ja-JP" altLang="en-US" sz="1100" dirty="0" smtClean="0"/>
-              <a:t>・</a:t>
-            </a:r>
-            <a:endParaRPr lang="en-US" altLang="ja-JP" sz="1100" dirty="0" smtClean="0"/>
-          </a:p>
-          <a:p>
-            <a:pPr algn="ctr"/>
-            <a:r>
-              <a:rPr lang="ja-JP" altLang="en-US" sz="1100" dirty="0"/>
-              <a:t>・</a:t>
-            </a:r>
-            <a:endParaRPr lang="en-US" altLang="ja-JP" sz="1100" dirty="0" smtClean="0"/>
-          </a:p>
-        </p:txBody>
-      </p:sp>
       <p:cxnSp>
         <p:nvCxnSpPr>
-          <p:cNvPr id="17" name="直線矢印コネクタ 16"/>
+          <p:cNvPr id="22" name="直線矢印コネクタ 21"/>
           <p:cNvCxnSpPr/>
           <p:nvPr/>
         </p:nvCxnSpPr>
         <p:spPr>
-          <a:xfrm flipH="1">
-            <a:off x="5973798" y="2423806"/>
-            <a:ext cx="1341402" cy="1259134"/>
+          <a:xfrm flipH="1" flipV="1">
+            <a:off x="8111397" y="4623836"/>
+            <a:ext cx="2204179" cy="1023356"/>
           </a:xfrm>
           <a:prstGeom prst="straightConnector1">
             <a:avLst/>
@@ -3765,16 +3623,115 @@
           </a:fontRef>
         </p:style>
       </p:cxnSp>
-      <p:sp>
-        <p:nvSpPr>
-          <p:cNvPr id="19" name="テキスト ボックス 18"/>
+      <p:cxnSp>
+        <p:nvCxnSpPr>
+          <p:cNvPr id="24" name="直線矢印コネクタ 23"/>
+          <p:cNvCxnSpPr/>
+          <p:nvPr/>
+        </p:nvCxnSpPr>
+        <p:spPr>
+          <a:xfrm flipH="1" flipV="1">
+            <a:off x="1587500" y="2140677"/>
+            <a:ext cx="3167424" cy="683486"/>
+          </a:xfrm>
+          <a:prstGeom prst="straightConnector1">
+            <a:avLst/>
+          </a:prstGeom>
+          <a:ln>
+            <a:tailEnd type="triangle"/>
+          </a:ln>
+        </p:spPr>
+        <p:style>
+          <a:lnRef idx="1">
+            <a:schemeClr val="accent1"/>
+          </a:lnRef>
+          <a:fillRef idx="0">
+            <a:schemeClr val="accent1"/>
+          </a:fillRef>
+          <a:effectRef idx="0">
+            <a:schemeClr val="accent1"/>
+          </a:effectRef>
+          <a:fontRef idx="minor">
+            <a:schemeClr val="tx1"/>
+          </a:fontRef>
+        </p:style>
+      </p:cxnSp>
+      <p:cxnSp>
+        <p:nvCxnSpPr>
+          <p:cNvPr id="25" name="直線矢印コネクタ 24"/>
+          <p:cNvCxnSpPr/>
+          <p:nvPr/>
+        </p:nvCxnSpPr>
+        <p:spPr>
+          <a:xfrm flipH="1">
+            <a:off x="2164124" y="3674792"/>
+            <a:ext cx="2670899" cy="166256"/>
+          </a:xfrm>
+          <a:prstGeom prst="straightConnector1">
+            <a:avLst/>
+          </a:prstGeom>
+          <a:ln>
+            <a:tailEnd type="triangle"/>
+          </a:ln>
+        </p:spPr>
+        <p:style>
+          <a:lnRef idx="1">
+            <a:schemeClr val="accent1"/>
+          </a:lnRef>
+          <a:fillRef idx="0">
+            <a:schemeClr val="accent1"/>
+          </a:fillRef>
+          <a:effectRef idx="0">
+            <a:schemeClr val="accent1"/>
+          </a:effectRef>
+          <a:fontRef idx="minor">
+            <a:schemeClr val="tx1"/>
+          </a:fontRef>
+        </p:style>
+      </p:cxnSp>
+      <p:cxnSp>
+        <p:nvCxnSpPr>
+          <p:cNvPr id="28" name="直線矢印コネクタ 27"/>
+          <p:cNvCxnSpPr/>
+          <p:nvPr/>
+        </p:nvCxnSpPr>
+        <p:spPr>
+          <a:xfrm flipH="1">
+            <a:off x="2139950" y="4379113"/>
+            <a:ext cx="2747711" cy="1094028"/>
+          </a:xfrm>
+          <a:prstGeom prst="straightConnector1">
+            <a:avLst/>
+          </a:prstGeom>
+          <a:ln>
+            <a:tailEnd type="triangle"/>
+          </a:ln>
+        </p:spPr>
+        <p:style>
+          <a:lnRef idx="1">
+            <a:schemeClr val="accent1"/>
+          </a:lnRef>
+          <a:fillRef idx="0">
+            <a:schemeClr val="accent1"/>
+          </a:fillRef>
+          <a:effectRef idx="0">
+            <a:schemeClr val="accent1"/>
+          </a:effectRef>
+          <a:fontRef idx="minor">
+            <a:schemeClr val="tx1"/>
+          </a:fontRef>
+        </p:style>
+      </p:cxnSp>
+      <p:sp>
+        <p:nvSpPr>
+          <p:cNvPr id="30" name="テキスト ボックス 29"/>
           <p:cNvSpPr txBox="1"/>
           <p:nvPr/>
         </p:nvSpPr>
         <p:spPr>
           <a:xfrm>
-            <a:off x="2510630" y="4110943"/>
-            <a:ext cx="1305165" cy="261610"/>
+            <a:off x="2737162" y="3394747"/>
+            <a:ext cx="1604863" cy="369332"/>
           </a:xfrm>
           <a:prstGeom prst="rect">
             <a:avLst/>
@@ -3788,23 +3745,27 @@
           <a:lstStyle/>
           <a:p>
             <a:r>
-              <a:rPr lang="en-US" altLang="ja-JP" sz="1100" dirty="0" smtClean="0"/>
-              <a:t>{message : “hello” }</a:t>
-            </a:r>
-            <a:endParaRPr kumimoji="1" lang="ja-JP" altLang="en-US" sz="1100" dirty="0"/>
-          </a:p>
-        </p:txBody>
-      </p:sp>
-      <p:sp>
-        <p:nvSpPr>
-          <p:cNvPr id="28" name="テキスト ボックス 27"/>
+              <a:rPr kumimoji="1" lang="en-US" altLang="ja-JP" dirty="0" smtClean="0"/>
+              <a:t>Http/Push</a:t>
+            </a:r>
+            <a:r>
+              <a:rPr kumimoji="1" lang="ja-JP" altLang="en-US" dirty="0" smtClean="0"/>
+              <a:t>送信</a:t>
+            </a:r>
+            <a:endParaRPr kumimoji="1" lang="ja-JP" altLang="en-US" dirty="0"/>
+          </a:p>
+        </p:txBody>
+      </p:sp>
+      <p:sp>
+        <p:nvSpPr>
+          <p:cNvPr id="33" name="テキスト ボックス 32"/>
           <p:cNvSpPr txBox="1"/>
           <p:nvPr/>
         </p:nvSpPr>
         <p:spPr>
           <a:xfrm>
-            <a:off x="5518194" y="3730045"/>
-            <a:ext cx="768159" cy="261610"/>
+            <a:off x="8362689" y="3384524"/>
+            <a:ext cx="1334020" cy="369332"/>
           </a:xfrm>
           <a:prstGeom prst="rect">
             <a:avLst/>
@@ -3818,27 +3779,23 @@
           <a:lstStyle/>
           <a:p>
             <a:r>
-              <a:rPr kumimoji="1" lang="en-US" altLang="ja-JP" sz="1100" dirty="0" smtClean="0"/>
-              <a:t>UUID</a:t>
-            </a:r>
-            <a:r>
-              <a:rPr kumimoji="1" lang="ja-JP" altLang="en-US" sz="1100" dirty="0" smtClean="0"/>
-              <a:t>検索</a:t>
-            </a:r>
-            <a:endParaRPr kumimoji="1" lang="ja-JP" altLang="en-US" sz="1100" dirty="0"/>
-          </a:p>
-        </p:txBody>
-      </p:sp>
-      <p:sp>
-        <p:nvSpPr>
-          <p:cNvPr id="29" name="テキスト ボックス 28"/>
+              <a:rPr kumimoji="1" lang="ja-JP" altLang="en-US" dirty="0" smtClean="0"/>
+              <a:t>データセット</a:t>
+            </a:r>
+            <a:endParaRPr kumimoji="1" lang="ja-JP" altLang="en-US" dirty="0"/>
+          </a:p>
+        </p:txBody>
+      </p:sp>
+      <p:sp>
+        <p:nvSpPr>
+          <p:cNvPr id="34" name="テキスト ボックス 33"/>
           <p:cNvSpPr txBox="1"/>
           <p:nvPr/>
         </p:nvSpPr>
         <p:spPr>
           <a:xfrm>
-            <a:off x="7003359" y="2754641"/>
-            <a:ext cx="1043876" cy="261610"/>
+            <a:off x="616122" y="860340"/>
+            <a:ext cx="10375469" cy="369332"/>
           </a:xfrm>
           <a:prstGeom prst="rect">
             <a:avLst/>
@@ -3852,27 +3809,87 @@
           <a:lstStyle/>
           <a:p>
             <a:r>
-              <a:rPr kumimoji="1" lang="en-US" altLang="ja-JP" sz="1100" dirty="0" smtClean="0"/>
-              <a:t>Reception</a:t>
-            </a:r>
-            <a:r>
-              <a:rPr kumimoji="1" lang="ja-JP" altLang="en-US" sz="1100" dirty="0" smtClean="0"/>
-              <a:t>接続</a:t>
-            </a:r>
-            <a:endParaRPr kumimoji="1" lang="ja-JP" altLang="en-US" sz="1100" dirty="0"/>
-          </a:p>
-        </p:txBody>
-      </p:sp>
-      <p:sp>
-        <p:nvSpPr>
-          <p:cNvPr id="30" name="テキスト ボックス 29"/>
+              <a:rPr lang="ja-JP" altLang="en-US" dirty="0" smtClean="0"/>
+              <a:t>さまざまなデバイス、プラットホームで、</a:t>
+            </a:r>
+            <a:r>
+              <a:rPr lang="en-US" altLang="ja-JP" dirty="0" err="1" smtClean="0"/>
+              <a:t>HttpPush</a:t>
+            </a:r>
+            <a:r>
+              <a:rPr lang="ja-JP" altLang="en-US" dirty="0" smtClean="0"/>
+              <a:t>サービスを経由して、リアルタイム</a:t>
+            </a:r>
+            <a:r>
+              <a:rPr lang="en-US" altLang="ja-JP" dirty="0" smtClean="0"/>
+              <a:t>HTTP/Push</a:t>
+            </a:r>
+            <a:r>
+              <a:rPr lang="ja-JP" altLang="en-US" dirty="0" smtClean="0"/>
+              <a:t>送信が可能。</a:t>
+            </a:r>
+            <a:endParaRPr kumimoji="1" lang="ja-JP" altLang="en-US" dirty="0"/>
+          </a:p>
+        </p:txBody>
+      </p:sp>
+      <p:pic>
+        <p:nvPicPr>
+          <p:cNvPr id="36" name="図 35"/>
+          <p:cNvPicPr>
+            <a:picLocks noChangeAspect="1"/>
+          </p:cNvPicPr>
+          <p:nvPr/>
+        </p:nvPicPr>
+        <p:blipFill>
+          <a:blip r:embed="rId5"/>
+          <a:stretch>
+            <a:fillRect/>
+          </a:stretch>
+        </p:blipFill>
+        <p:spPr>
+          <a:xfrm>
+            <a:off x="393700" y="4887894"/>
+            <a:ext cx="1428750" cy="1476375"/>
+          </a:xfrm>
+          <a:prstGeom prst="rect">
+            <a:avLst/>
+          </a:prstGeom>
+        </p:spPr>
+      </p:pic>
+      <p:pic>
+        <p:nvPicPr>
+          <p:cNvPr id="37" name="図 36"/>
+          <p:cNvPicPr>
+            <a:picLocks noChangeAspect="1"/>
+          </p:cNvPicPr>
+          <p:nvPr/>
+        </p:nvPicPr>
+        <p:blipFill>
+          <a:blip r:embed="rId5"/>
+          <a:stretch>
+            <a:fillRect/>
+          </a:stretch>
+        </p:blipFill>
+        <p:spPr>
+          <a:xfrm>
+            <a:off x="10315575" y="3091450"/>
+            <a:ext cx="1428750" cy="1476375"/>
+          </a:xfrm>
+          <a:prstGeom prst="rect">
+            <a:avLst/>
+          </a:prstGeom>
+        </p:spPr>
+      </p:pic>
+      <p:sp>
+        <p:nvSpPr>
+          <p:cNvPr id="38" name="テキスト ボックス 37"/>
           <p:cNvSpPr txBox="1"/>
           <p:nvPr/>
         </p:nvSpPr>
         <p:spPr>
           <a:xfrm>
-            <a:off x="4125049" y="5204776"/>
-            <a:ext cx="655949" cy="261610"/>
+            <a:off x="544251" y="2676287"/>
+            <a:ext cx="841897" cy="369332"/>
           </a:xfrm>
           <a:prstGeom prst="rect">
             <a:avLst/>
@@ -3886,21 +3903,205 @@
           <a:lstStyle/>
           <a:p>
             <a:r>
-              <a:rPr kumimoji="1" lang="en-US" altLang="ja-JP" sz="1100" dirty="0" err="1" smtClean="0"/>
-              <a:t>Sse</a:t>
-            </a:r>
-            <a:r>
-              <a:rPr kumimoji="1" lang="ja-JP" altLang="en-US" sz="1100" dirty="0" smtClean="0"/>
-              <a:t>接続</a:t>
-            </a:r>
-            <a:endParaRPr kumimoji="1" lang="ja-JP" altLang="en-US" sz="1100" dirty="0"/>
+              <a:rPr lang="ja-JP" altLang="en-US" dirty="0"/>
+              <a:t>スマホ</a:t>
+            </a:r>
+            <a:endParaRPr kumimoji="1" lang="ja-JP" altLang="en-US" dirty="0"/>
+          </a:p>
+        </p:txBody>
+      </p:sp>
+      <p:sp>
+        <p:nvSpPr>
+          <p:cNvPr id="39" name="テキスト ボックス 38"/>
+          <p:cNvSpPr txBox="1"/>
+          <p:nvPr/>
+        </p:nvSpPr>
+        <p:spPr>
+          <a:xfrm>
+            <a:off x="732154" y="4228118"/>
+            <a:ext cx="426720" cy="369332"/>
+          </a:xfrm>
+          <a:prstGeom prst="rect">
+            <a:avLst/>
+          </a:prstGeom>
+          <a:noFill/>
+        </p:spPr>
+        <p:txBody>
+          <a:bodyPr wrap="none" rtlCol="0">
+            <a:spAutoFit/>
+          </a:bodyPr>
+          <a:lstStyle/>
+          <a:p>
+            <a:r>
+              <a:rPr lang="en-US" altLang="ja-JP" dirty="0" smtClean="0"/>
+              <a:t>PC</a:t>
+            </a:r>
+            <a:endParaRPr kumimoji="1" lang="ja-JP" altLang="en-US" dirty="0"/>
+          </a:p>
+        </p:txBody>
+      </p:sp>
+      <p:sp>
+        <p:nvSpPr>
+          <p:cNvPr id="40" name="テキスト ボックス 39"/>
+          <p:cNvSpPr txBox="1"/>
+          <p:nvPr/>
+        </p:nvSpPr>
+        <p:spPr>
+          <a:xfrm>
+            <a:off x="498740" y="6298168"/>
+            <a:ext cx="1088760" cy="369332"/>
+          </a:xfrm>
+          <a:prstGeom prst="rect">
+            <a:avLst/>
+          </a:prstGeom>
+          <a:noFill/>
+        </p:spPr>
+        <p:txBody>
+          <a:bodyPr wrap="none" rtlCol="0">
+            <a:spAutoFit/>
+          </a:bodyPr>
+          <a:lstStyle/>
+          <a:p>
+            <a:r>
+              <a:rPr lang="ja-JP" altLang="en-US" dirty="0" smtClean="0"/>
+              <a:t>サーバー</a:t>
+            </a:r>
+            <a:endParaRPr kumimoji="1" lang="ja-JP" altLang="en-US" dirty="0"/>
+          </a:p>
+        </p:txBody>
+      </p:sp>
+      <p:sp>
+        <p:nvSpPr>
+          <p:cNvPr id="41" name="テキスト ボックス 40"/>
+          <p:cNvSpPr txBox="1"/>
+          <p:nvPr/>
+        </p:nvSpPr>
+        <p:spPr>
+          <a:xfrm>
+            <a:off x="10526451" y="6225888"/>
+            <a:ext cx="841897" cy="369332"/>
+          </a:xfrm>
+          <a:prstGeom prst="rect">
+            <a:avLst/>
+          </a:prstGeom>
+          <a:noFill/>
+        </p:spPr>
+        <p:txBody>
+          <a:bodyPr wrap="none" rtlCol="0">
+            <a:spAutoFit/>
+          </a:bodyPr>
+          <a:lstStyle/>
+          <a:p>
+            <a:r>
+              <a:rPr lang="ja-JP" altLang="en-US" dirty="0"/>
+              <a:t>スマホ</a:t>
+            </a:r>
+            <a:endParaRPr kumimoji="1" lang="ja-JP" altLang="en-US" dirty="0"/>
+          </a:p>
+        </p:txBody>
+      </p:sp>
+      <p:sp>
+        <p:nvSpPr>
+          <p:cNvPr id="43" name="テキスト ボックス 42"/>
+          <p:cNvSpPr txBox="1"/>
+          <p:nvPr/>
+        </p:nvSpPr>
+        <p:spPr>
+          <a:xfrm>
+            <a:off x="10485570" y="4493806"/>
+            <a:ext cx="1088760" cy="369332"/>
+          </a:xfrm>
+          <a:prstGeom prst="rect">
+            <a:avLst/>
+          </a:prstGeom>
+          <a:noFill/>
+        </p:spPr>
+        <p:txBody>
+          <a:bodyPr wrap="none" rtlCol="0">
+            <a:spAutoFit/>
+          </a:bodyPr>
+          <a:lstStyle/>
+          <a:p>
+            <a:r>
+              <a:rPr lang="ja-JP" altLang="en-US" dirty="0" smtClean="0"/>
+              <a:t>サーバー</a:t>
+            </a:r>
+            <a:endParaRPr kumimoji="1" lang="ja-JP" altLang="en-US" dirty="0"/>
+          </a:p>
+        </p:txBody>
+      </p:sp>
+      <p:sp>
+        <p:nvSpPr>
+          <p:cNvPr id="44" name="テキスト ボックス 43"/>
+          <p:cNvSpPr txBox="1"/>
+          <p:nvPr/>
+        </p:nvSpPr>
+        <p:spPr>
+          <a:xfrm>
+            <a:off x="10692173" y="2472053"/>
+            <a:ext cx="426720" cy="369332"/>
+          </a:xfrm>
+          <a:prstGeom prst="rect">
+            <a:avLst/>
+          </a:prstGeom>
+          <a:noFill/>
+        </p:spPr>
+        <p:txBody>
+          <a:bodyPr wrap="none" rtlCol="0">
+            <a:spAutoFit/>
+          </a:bodyPr>
+          <a:lstStyle/>
+          <a:p>
+            <a:r>
+              <a:rPr lang="en-US" altLang="ja-JP" dirty="0" smtClean="0"/>
+              <a:t>PC</a:t>
+            </a:r>
+            <a:endParaRPr kumimoji="1" lang="ja-JP" altLang="en-US" dirty="0"/>
+          </a:p>
+        </p:txBody>
+      </p:sp>
+      <p:sp>
+        <p:nvSpPr>
+          <p:cNvPr id="4" name="テキスト ボックス 3"/>
+          <p:cNvSpPr txBox="1"/>
+          <p:nvPr/>
+        </p:nvSpPr>
+        <p:spPr>
+          <a:xfrm>
+            <a:off x="4608874" y="4794528"/>
+            <a:ext cx="3283206" cy="369332"/>
+          </a:xfrm>
+          <a:prstGeom prst="rect">
+            <a:avLst/>
+          </a:prstGeom>
+          <a:noFill/>
+        </p:spPr>
+        <p:txBody>
+          <a:bodyPr wrap="none" rtlCol="0">
+            <a:spAutoFit/>
+          </a:bodyPr>
+          <a:lstStyle/>
+          <a:p>
+            <a:r>
+              <a:rPr kumimoji="1" lang="en-US" altLang="ja-JP" dirty="0" err="1" smtClean="0"/>
+              <a:t>HttpPush</a:t>
+            </a:r>
+            <a:r>
+              <a:rPr lang="ja-JP" altLang="en-US" dirty="0" smtClean="0"/>
+              <a:t>サーバ</a:t>
+            </a:r>
+            <a:r>
+              <a:rPr lang="ja-JP" altLang="en-US" dirty="0"/>
+              <a:t>アプリケーション</a:t>
+            </a:r>
+            <a:endParaRPr kumimoji="1" lang="ja-JP" altLang="en-US" dirty="0"/>
           </a:p>
         </p:txBody>
       </p:sp>
     </p:spTree>
     <p:extLst>
       <p:ext uri="{BB962C8B-B14F-4D97-AF65-F5344CB8AC3E}">
-        <p14:creationId xmlns:p14="http://schemas.microsoft.com/office/powerpoint/2010/main" val="525897283"/>
+        <p14:creationId xmlns:p14="http://schemas.microsoft.com/office/powerpoint/2010/main" val="2570178598"/>
       </p:ext>
     </p:extLst>
   </p:cSld>
@@ -3937,187 +4138,228 @@
             <p:ph type="title"/>
           </p:nvPr>
         </p:nvSpPr>
-        <p:spPr/>
+        <p:spPr>
+          <a:xfrm>
+            <a:off x="838200" y="365125"/>
+            <a:ext cx="10515600" cy="600075"/>
+          </a:xfrm>
+        </p:spPr>
+        <p:txBody>
+          <a:bodyPr>
+            <a:normAutofit fontScale="90000"/>
+          </a:bodyPr>
+          <a:lstStyle/>
+          <a:p>
+            <a:r>
+              <a:rPr kumimoji="1" lang="ja-JP" altLang="en-US" dirty="0" smtClean="0"/>
+              <a:t>利用想定</a:t>
+            </a:r>
+            <a:endParaRPr kumimoji="1" lang="ja-JP" altLang="en-US" dirty="0"/>
+          </a:p>
+        </p:txBody>
+      </p:sp>
+      <p:sp>
+        <p:nvSpPr>
+          <p:cNvPr id="3" name="コンテンツ プレースホルダー 2"/>
+          <p:cNvSpPr>
+            <a:spLocks noGrp="1"/>
+          </p:cNvSpPr>
+          <p:nvPr>
+            <p:ph idx="1"/>
+          </p:nvPr>
+        </p:nvSpPr>
+        <p:spPr>
+          <a:xfrm>
+            <a:off x="838200" y="1143000"/>
+            <a:ext cx="10515600" cy="5033963"/>
+          </a:xfrm>
+        </p:spPr>
         <p:txBody>
           <a:bodyPr/>
           <a:lstStyle/>
           <a:p>
+            <a:pPr marL="0" indent="0">
+              <a:buNone/>
+            </a:pPr>
             <a:r>
               <a:rPr kumimoji="1" lang="ja-JP" altLang="en-US" dirty="0" smtClean="0"/>
-              <a:t>機能</a:t>
+              <a:t>・</a:t>
+            </a:r>
+            <a:r>
+              <a:rPr kumimoji="1" lang="en-US" altLang="ja-JP" dirty="0" smtClean="0"/>
+              <a:t>Push</a:t>
+            </a:r>
+            <a:r>
+              <a:rPr lang="ja-JP" altLang="en-US" dirty="0" smtClean="0"/>
+              <a:t>送信を行う場合「１）モバイル</a:t>
+            </a:r>
+            <a:r>
+              <a:rPr lang="en-US" altLang="ja-JP" dirty="0" smtClean="0"/>
+              <a:t>Push</a:t>
+            </a:r>
+            <a:r>
+              <a:rPr lang="ja-JP" altLang="en-US" dirty="0" smtClean="0"/>
+              <a:t>通知」か「２）</a:t>
+            </a:r>
+            <a:r>
+              <a:rPr lang="en-US" altLang="ja-JP" dirty="0" err="1" smtClean="0"/>
+              <a:t>WebSocket</a:t>
+            </a:r>
+            <a:r>
+              <a:rPr lang="ja-JP" altLang="en-US" dirty="0" smtClean="0"/>
+              <a:t>で</a:t>
+            </a:r>
+            <a:r>
+              <a:rPr lang="en-US" altLang="ja-JP" dirty="0" smtClean="0"/>
+              <a:t>Push</a:t>
+            </a:r>
+          </a:p>
+          <a:p>
+            <a:pPr marL="0" indent="0">
+              <a:buNone/>
+            </a:pPr>
+            <a:r>
+              <a:rPr lang="ja-JP" altLang="en-US" dirty="0"/>
+              <a:t>　</a:t>
+            </a:r>
+            <a:r>
+              <a:rPr lang="ja-JP" altLang="en-US" dirty="0" smtClean="0"/>
+              <a:t>送信実装」を行う必要がある。</a:t>
+            </a:r>
+            <a:endParaRPr lang="en-US" altLang="ja-JP" dirty="0" smtClean="0"/>
+          </a:p>
+          <a:p>
+            <a:pPr marL="0" indent="0">
+              <a:buNone/>
+            </a:pPr>
+            <a:r>
+              <a:rPr kumimoji="1" lang="ja-JP" altLang="en-US" dirty="0" smtClean="0"/>
+              <a:t>・「モバイル</a:t>
+            </a:r>
+            <a:r>
+              <a:rPr kumimoji="1" lang="en-US" altLang="ja-JP" dirty="0" smtClean="0"/>
+              <a:t>Push</a:t>
+            </a:r>
+            <a:r>
+              <a:rPr kumimoji="1" lang="ja-JP" altLang="en-US" dirty="0" smtClean="0"/>
+              <a:t>通知」は便利だが、モバイル環境しか使えないのと、</a:t>
+            </a:r>
+            <a:endParaRPr kumimoji="1" lang="en-US" altLang="ja-JP" dirty="0" smtClean="0"/>
+          </a:p>
+          <a:p>
+            <a:pPr marL="0" indent="0">
+              <a:buNone/>
+            </a:pPr>
+            <a:r>
+              <a:rPr lang="ja-JP" altLang="en-US" dirty="0"/>
+              <a:t>　</a:t>
+            </a:r>
+            <a:r>
+              <a:rPr lang="en-US" altLang="ja-JP" dirty="0" smtClean="0"/>
+              <a:t>Push</a:t>
+            </a:r>
+            <a:r>
+              <a:rPr lang="ja-JP" altLang="en-US" dirty="0" smtClean="0"/>
+              <a:t>通知をアプリ</a:t>
+            </a:r>
+            <a:r>
+              <a:rPr lang="ja-JP" altLang="en-US" dirty="0"/>
+              <a:t>の</a:t>
+            </a:r>
+            <a:r>
+              <a:rPr lang="ja-JP" altLang="en-US" dirty="0" smtClean="0"/>
+              <a:t>トリガーとして、使えない点がある。</a:t>
+            </a:r>
+            <a:endParaRPr lang="en-US" altLang="ja-JP" dirty="0" smtClean="0"/>
+          </a:p>
+          <a:p>
+            <a:pPr marL="0" indent="0">
+              <a:buNone/>
+            </a:pPr>
+            <a:r>
+              <a:rPr kumimoji="1" lang="ja-JP" altLang="en-US" dirty="0" smtClean="0"/>
+              <a:t>・「</a:t>
+            </a:r>
+            <a:r>
+              <a:rPr kumimoji="1" lang="en-US" altLang="ja-JP" dirty="0" err="1" smtClean="0"/>
+              <a:t>WebSocket</a:t>
+            </a:r>
+            <a:r>
+              <a:rPr kumimoji="1" lang="ja-JP" altLang="en-US" dirty="0" smtClean="0"/>
+              <a:t>で</a:t>
+            </a:r>
+            <a:r>
+              <a:rPr kumimoji="1" lang="en-US" altLang="ja-JP" dirty="0" smtClean="0"/>
+              <a:t>Push</a:t>
+            </a:r>
+            <a:r>
+              <a:rPr kumimoji="1" lang="ja-JP" altLang="en-US" dirty="0" smtClean="0"/>
+              <a:t>送信実装」は、実装と管理が大変である。</a:t>
+            </a:r>
+            <a:endParaRPr kumimoji="1" lang="en-US" altLang="ja-JP" dirty="0" smtClean="0"/>
+          </a:p>
+          <a:p>
+            <a:pPr marL="0" indent="0">
+              <a:buNone/>
+            </a:pPr>
+            <a:r>
+              <a:rPr kumimoji="1" lang="ja-JP" altLang="en-US" dirty="0" smtClean="0"/>
+              <a:t>・あらゆるデバイスやプラットホームから利用する場合、項１では実現</a:t>
+            </a:r>
+            <a:endParaRPr kumimoji="1" lang="en-US" altLang="ja-JP" dirty="0" smtClean="0"/>
+          </a:p>
+          <a:p>
+            <a:pPr marL="0" indent="0">
+              <a:buNone/>
+            </a:pPr>
+            <a:r>
+              <a:rPr lang="ja-JP" altLang="en-US" dirty="0"/>
+              <a:t>　</a:t>
+            </a:r>
+            <a:r>
+              <a:rPr lang="ja-JP" altLang="en-US" dirty="0" smtClean="0"/>
+              <a:t>不可、項２では、対応が大変である。</a:t>
+            </a:r>
+            <a:endParaRPr lang="en-US" altLang="ja-JP" dirty="0" smtClean="0"/>
+          </a:p>
+          <a:p>
+            <a:pPr marL="0" indent="0">
+              <a:buNone/>
+            </a:pPr>
+            <a:endParaRPr kumimoji="1" lang="en-US" altLang="ja-JP" dirty="0"/>
+          </a:p>
+          <a:p>
+            <a:pPr marL="0" indent="0">
+              <a:buNone/>
+            </a:pPr>
+            <a:r>
+              <a:rPr lang="ja-JP" altLang="en-US" dirty="0" smtClean="0"/>
+              <a:t>これらの問題を払拭して、あらゆる環境から、比較的「楽」に</a:t>
+            </a:r>
+            <a:r>
+              <a:rPr lang="en-US" altLang="ja-JP" dirty="0" smtClean="0"/>
+              <a:t>Push</a:t>
+            </a:r>
+            <a:r>
+              <a:rPr lang="ja-JP" altLang="en-US" dirty="0" smtClean="0"/>
+              <a:t>送信が使える、それが「</a:t>
+            </a:r>
+            <a:r>
+              <a:rPr lang="en-US" altLang="ja-JP" dirty="0" err="1" smtClean="0"/>
+              <a:t>HttpPush</a:t>
+            </a:r>
+            <a:r>
+              <a:rPr lang="ja-JP" altLang="en-US" dirty="0" smtClean="0"/>
+              <a:t>サーバ」です。</a:t>
             </a:r>
             <a:endParaRPr kumimoji="1" lang="ja-JP" altLang="en-US" dirty="0"/>
-          </a:p>
-        </p:txBody>
-      </p:sp>
-      <p:sp>
-        <p:nvSpPr>
-          <p:cNvPr id="3" name="コンテンツ プレースホルダー 2"/>
-          <p:cNvSpPr>
-            <a:spLocks noGrp="1"/>
-          </p:cNvSpPr>
-          <p:nvPr>
-            <p:ph idx="1"/>
-          </p:nvPr>
-        </p:nvSpPr>
-        <p:spPr/>
-        <p:txBody>
-          <a:bodyPr>
-            <a:normAutofit/>
-          </a:bodyPr>
-          <a:lstStyle/>
-          <a:p>
-            <a:pPr marL="0" indent="0">
-              <a:buNone/>
-            </a:pPr>
-            <a:r>
-              <a:rPr lang="ja-JP" altLang="en-US" dirty="0" smtClean="0"/>
-              <a:t>１</a:t>
-            </a:r>
-            <a:r>
-              <a:rPr lang="ja-JP" altLang="en-US" dirty="0"/>
-              <a:t>）</a:t>
-            </a:r>
-            <a:r>
-              <a:rPr lang="ja-JP" altLang="en-US" dirty="0" smtClean="0"/>
-              <a:t>リアルタイム受信待ち（</a:t>
-            </a:r>
-            <a:r>
-              <a:rPr lang="en-US" altLang="ja-JP" dirty="0" smtClean="0"/>
-              <a:t>SSE</a:t>
-            </a:r>
-            <a:r>
-              <a:rPr lang="ja-JP" altLang="en-US" dirty="0" smtClean="0"/>
-              <a:t>接続部）を行う</a:t>
-            </a:r>
-            <a:endParaRPr lang="en-US" altLang="ja-JP" dirty="0" smtClean="0"/>
-          </a:p>
-          <a:p>
-            <a:pPr marL="0" indent="0">
-              <a:buNone/>
-            </a:pPr>
-            <a:r>
-              <a:rPr lang="ja-JP" altLang="en-US" dirty="0" smtClean="0"/>
-              <a:t>２</a:t>
-            </a:r>
-            <a:r>
-              <a:rPr lang="ja-JP" altLang="en-US" dirty="0"/>
-              <a:t>）</a:t>
-            </a:r>
-            <a:r>
-              <a:rPr kumimoji="1" lang="ja-JP" altLang="en-US" dirty="0" smtClean="0"/>
-              <a:t>リアルタイムデータ受付（</a:t>
-            </a:r>
-            <a:r>
-              <a:rPr kumimoji="1" lang="en-US" altLang="ja-JP" dirty="0" smtClean="0"/>
-              <a:t>Reception</a:t>
-            </a:r>
-            <a:r>
-              <a:rPr kumimoji="1" lang="ja-JP" altLang="en-US" dirty="0" smtClean="0"/>
-              <a:t>接続部）に</a:t>
-            </a:r>
-            <a:r>
-              <a:rPr lang="ja-JP" altLang="en-US" dirty="0" smtClean="0"/>
-              <a:t>データ送信を行う</a:t>
-            </a:r>
-            <a:endParaRPr lang="en-US" altLang="ja-JP" dirty="0" smtClean="0"/>
-          </a:p>
-          <a:p>
-            <a:pPr marL="0" indent="0">
-              <a:buNone/>
-            </a:pPr>
-            <a:r>
-              <a:rPr kumimoji="1" lang="ja-JP" altLang="en-US" dirty="0" smtClean="0"/>
-              <a:t>３）</a:t>
-            </a:r>
-            <a:r>
-              <a:rPr kumimoji="1" lang="en-US" altLang="ja-JP" dirty="0" smtClean="0"/>
-              <a:t>CORS</a:t>
-            </a:r>
-            <a:r>
-              <a:rPr kumimoji="1" lang="ja-JP" altLang="en-US" dirty="0" smtClean="0"/>
-              <a:t>対応</a:t>
-            </a:r>
-            <a:endParaRPr kumimoji="1" lang="en-US" altLang="ja-JP" dirty="0" smtClean="0"/>
-          </a:p>
-          <a:p>
-            <a:pPr marL="0" indent="0">
-              <a:buNone/>
-            </a:pPr>
-            <a:endParaRPr lang="en-US" altLang="ja-JP" dirty="0" smtClean="0"/>
-          </a:p>
-          <a:p>
-            <a:pPr marL="0" indent="0">
-              <a:buNone/>
-            </a:pPr>
-            <a:r>
-              <a:rPr lang="ja-JP" altLang="en-US" dirty="0" smtClean="0"/>
-              <a:t>項２に対して、データ送信を行うことで、項１で</a:t>
-            </a:r>
-            <a:r>
-              <a:rPr lang="en-US" altLang="ja-JP" dirty="0" smtClean="0"/>
-              <a:t>SSE</a:t>
-            </a:r>
-            <a:r>
-              <a:rPr lang="ja-JP" altLang="en-US" dirty="0" smtClean="0"/>
-              <a:t>（</a:t>
-            </a:r>
-            <a:r>
-              <a:rPr lang="en-US" altLang="ja-JP" dirty="0" err="1" smtClean="0"/>
-              <a:t>ServerSentEvent</a:t>
-            </a:r>
-            <a:r>
-              <a:rPr lang="en-US" altLang="ja-JP" dirty="0" smtClean="0"/>
-              <a:t>)</a:t>
-            </a:r>
-            <a:r>
-              <a:rPr lang="ja-JP" altLang="en-US" dirty="0" smtClean="0"/>
-              <a:t>受信待ちに対して、リアルタイムデータ受信が行える。</a:t>
-            </a:r>
-            <a:endParaRPr lang="en-US" altLang="ja-JP" dirty="0"/>
-          </a:p>
-          <a:p>
-            <a:pPr marL="0" indent="0">
-              <a:buNone/>
-            </a:pPr>
-            <a:endParaRPr lang="en-US" altLang="ja-JP" dirty="0" smtClean="0"/>
-          </a:p>
-          <a:p>
-            <a:pPr marL="0" indent="0">
-              <a:buNone/>
-            </a:pPr>
-            <a:r>
-              <a:rPr lang="en-US" altLang="ja-JP" dirty="0" smtClean="0"/>
-              <a:t>SSE</a:t>
-            </a:r>
-            <a:r>
-              <a:rPr lang="ja-JP" altLang="en-US" dirty="0" smtClean="0"/>
-              <a:t>（</a:t>
-            </a:r>
-            <a:r>
-              <a:rPr lang="en-US" altLang="ja-JP" dirty="0" err="1" smtClean="0"/>
-              <a:t>ServerSentEvent</a:t>
-            </a:r>
-            <a:r>
-              <a:rPr lang="ja-JP" altLang="en-US" dirty="0" smtClean="0"/>
-              <a:t>）機能を用いて実装しているので、ブラウザがサポートしている場合は、通常の</a:t>
-            </a:r>
-            <a:r>
-              <a:rPr lang="en-US" altLang="ja-JP" dirty="0" smtClean="0"/>
-              <a:t>HTTP</a:t>
-            </a:r>
-            <a:r>
-              <a:rPr lang="ja-JP" altLang="en-US" dirty="0" smtClean="0"/>
-              <a:t>プロトコルと同じく利用できる。</a:t>
-            </a:r>
-            <a:endParaRPr lang="en-US" altLang="ja-JP" dirty="0" smtClean="0"/>
           </a:p>
         </p:txBody>
       </p:sp>
     </p:spTree>
     <p:extLst>
       <p:ext uri="{BB962C8B-B14F-4D97-AF65-F5344CB8AC3E}">
-        <p14:creationId xmlns:p14="http://schemas.microsoft.com/office/powerpoint/2010/main" val="3801541573"/>
+        <p14:creationId xmlns:p14="http://schemas.microsoft.com/office/powerpoint/2010/main" val="3305538684"/>
       </p:ext>
     </p:extLst>
   </p:cSld>
@@ -4146,6 +4388,47 @@
       </p:grpSpPr>
       <p:sp>
         <p:nvSpPr>
+          <p:cNvPr id="21" name="フローチャート: 磁気ディスク 20"/>
+          <p:cNvSpPr/>
+          <p:nvPr/>
+        </p:nvSpPr>
+        <p:spPr>
+          <a:xfrm>
+            <a:off x="4587857" y="3581400"/>
+            <a:ext cx="2629246" cy="1536700"/>
+          </a:xfrm>
+          <a:prstGeom prst="flowChartMagneticDisk">
+            <a:avLst/>
+          </a:prstGeom>
+          <a:noFill/>
+        </p:spPr>
+        <p:style>
+          <a:lnRef idx="2">
+            <a:schemeClr val="accent1">
+              <a:shade val="50000"/>
+            </a:schemeClr>
+          </a:lnRef>
+          <a:fillRef idx="1">
+            <a:schemeClr val="accent1"/>
+          </a:fillRef>
+          <a:effectRef idx="0">
+            <a:schemeClr val="accent1"/>
+          </a:effectRef>
+          <a:fontRef idx="minor">
+            <a:schemeClr val="lt1"/>
+          </a:fontRef>
+        </p:style>
+        <p:txBody>
+          <a:bodyPr rtlCol="0" anchor="ctr"/>
+          <a:lstStyle/>
+          <a:p>
+            <a:pPr algn="ctr"/>
+            <a:endParaRPr kumimoji="1" lang="ja-JP" altLang="en-US"/>
+          </a:p>
+        </p:txBody>
+      </p:sp>
+      <p:sp>
+        <p:nvSpPr>
           <p:cNvPr id="2" name="タイトル 1"/>
           <p:cNvSpPr>
             <a:spLocks noGrp="1"/>
@@ -4154,14 +4437,19 @@
             <p:ph type="title"/>
           </p:nvPr>
         </p:nvSpPr>
-        <p:spPr/>
+        <p:spPr>
+          <a:xfrm>
+            <a:off x="838200" y="365125"/>
+            <a:ext cx="10515600" cy="879911"/>
+          </a:xfrm>
+        </p:spPr>
         <p:txBody>
           <a:bodyPr/>
           <a:lstStyle/>
           <a:p>
             <a:r>
-              <a:rPr kumimoji="1" lang="ja-JP" altLang="en-US" dirty="0" smtClean="0"/>
-              <a:t>詳細</a:t>
+              <a:rPr lang="ja-JP" altLang="en-US" dirty="0" smtClean="0"/>
+              <a:t>機能イメージ</a:t>
             </a:r>
             <a:endParaRPr kumimoji="1" lang="ja-JP" altLang="en-US" dirty="0"/>
           </a:p>
@@ -4169,130 +4457,516 @@
       </p:sp>
       <p:sp>
         <p:nvSpPr>
-          <p:cNvPr id="3" name="コンテンツ プレースホルダー 2"/>
-          <p:cNvSpPr>
-            <a:spLocks noGrp="1"/>
-          </p:cNvSpPr>
-          <p:nvPr>
-            <p:ph idx="1"/>
-          </p:nvPr>
-        </p:nvSpPr>
-        <p:spPr/>
-        <p:txBody>
-          <a:bodyPr/>
-          <a:lstStyle/>
-          <a:p>
-            <a:pPr marL="0" indent="0">
-              <a:buNone/>
-            </a:pPr>
-            <a:r>
-              <a:rPr lang="ja-JP" altLang="en-US" dirty="0" smtClean="0"/>
-              <a:t>・単一でシーケンシャルな</a:t>
-            </a:r>
-            <a:r>
-              <a:rPr lang="en-US" altLang="ja-JP" dirty="0" smtClean="0"/>
+          <p:cNvPr id="4" name="正方形/長方形 3"/>
+          <p:cNvSpPr/>
+          <p:nvPr/>
+        </p:nvSpPr>
+        <p:spPr>
+          <a:xfrm>
+            <a:off x="4473730" y="1550988"/>
+            <a:ext cx="2857500" cy="4976812"/>
+          </a:xfrm>
+          <a:prstGeom prst="rect">
+            <a:avLst/>
+          </a:prstGeom>
+          <a:noFill/>
+        </p:spPr>
+        <p:style>
+          <a:lnRef idx="2">
+            <a:schemeClr val="accent1">
+              <a:shade val="50000"/>
+            </a:schemeClr>
+          </a:lnRef>
+          <a:fillRef idx="1">
+            <a:schemeClr val="accent1"/>
+          </a:fillRef>
+          <a:effectRef idx="0">
+            <a:schemeClr val="accent1"/>
+          </a:effectRef>
+          <a:fontRef idx="minor">
+            <a:schemeClr val="lt1"/>
+          </a:fontRef>
+        </p:style>
+        <p:txBody>
+          <a:bodyPr rtlCol="0" anchor="ctr"/>
+          <a:lstStyle/>
+          <a:p>
+            <a:pPr algn="ctr"/>
+            <a:endParaRPr kumimoji="1" lang="ja-JP" altLang="en-US"/>
+          </a:p>
+        </p:txBody>
+      </p:sp>
+      <p:sp>
+        <p:nvSpPr>
+          <p:cNvPr id="5" name="テキスト ボックス 4"/>
+          <p:cNvSpPr txBox="1"/>
+          <p:nvPr/>
+        </p:nvSpPr>
+        <p:spPr>
+          <a:xfrm>
+            <a:off x="5034325" y="1143496"/>
+            <a:ext cx="1736309" cy="369332"/>
+          </a:xfrm>
+          <a:prstGeom prst="rect">
+            <a:avLst/>
+          </a:prstGeom>
+          <a:noFill/>
+        </p:spPr>
+        <p:txBody>
+          <a:bodyPr wrap="none" rtlCol="0">
+            <a:spAutoFit/>
+          </a:bodyPr>
+          <a:lstStyle/>
+          <a:p>
+            <a:r>
+              <a:rPr kumimoji="1" lang="en-US" altLang="ja-JP" dirty="0" err="1" smtClean="0"/>
+              <a:t>HttpPush</a:t>
+            </a:r>
+            <a:r>
+              <a:rPr lang="ja-JP" altLang="en-US" dirty="0"/>
+              <a:t>サーバ</a:t>
+            </a:r>
+            <a:endParaRPr kumimoji="1" lang="ja-JP" altLang="en-US" dirty="0"/>
+          </a:p>
+        </p:txBody>
+      </p:sp>
+      <p:pic>
+        <p:nvPicPr>
+          <p:cNvPr id="7" name="図 6"/>
+          <p:cNvPicPr>
+            <a:picLocks noChangeAspect="1"/>
+          </p:cNvPicPr>
+          <p:nvPr/>
+        </p:nvPicPr>
+        <p:blipFill>
+          <a:blip r:embed="rId2" cstate="print">
+            <a:extLst>
+              <a:ext uri="{28A0092B-C50C-407E-A947-70E740481C1C}">
+                <a14:useLocalDpi xmlns:a14="http://schemas.microsoft.com/office/drawing/2010/main" val="0"/>
+              </a:ext>
+            </a:extLst>
+          </a:blip>
+          <a:stretch>
+            <a:fillRect/>
+          </a:stretch>
+        </p:blipFill>
+        <p:spPr>
+          <a:xfrm>
+            <a:off x="336344" y="3485485"/>
+            <a:ext cx="1930400" cy="1447800"/>
+          </a:xfrm>
+          <a:prstGeom prst="rect">
+            <a:avLst/>
+          </a:prstGeom>
+        </p:spPr>
+      </p:pic>
+      <p:pic>
+        <p:nvPicPr>
+          <p:cNvPr id="8" name="図 7"/>
+          <p:cNvPicPr>
+            <a:picLocks noChangeAspect="1"/>
+          </p:cNvPicPr>
+          <p:nvPr/>
+        </p:nvPicPr>
+        <p:blipFill>
+          <a:blip r:embed="rId2" cstate="print">
+            <a:extLst>
+              <a:ext uri="{28A0092B-C50C-407E-A947-70E740481C1C}">
+                <a14:useLocalDpi xmlns:a14="http://schemas.microsoft.com/office/drawing/2010/main" val="0"/>
+              </a:ext>
+            </a:extLst>
+          </a:blip>
+          <a:stretch>
+            <a:fillRect/>
+          </a:stretch>
+        </p:blipFill>
+        <p:spPr>
+          <a:xfrm>
+            <a:off x="10045700" y="1550988"/>
+            <a:ext cx="1930400" cy="1447800"/>
+          </a:xfrm>
+          <a:prstGeom prst="rect">
+            <a:avLst/>
+          </a:prstGeom>
+        </p:spPr>
+      </p:pic>
+      <p:cxnSp>
+        <p:nvCxnSpPr>
+          <p:cNvPr id="10" name="直線矢印コネクタ 9"/>
+          <p:cNvCxnSpPr/>
+          <p:nvPr/>
+        </p:nvCxnSpPr>
+        <p:spPr>
+          <a:xfrm flipH="1">
+            <a:off x="7315200" y="2274888"/>
+            <a:ext cx="3213100" cy="0"/>
+          </a:xfrm>
+          <a:prstGeom prst="straightConnector1">
+            <a:avLst/>
+          </a:prstGeom>
+          <a:ln>
+            <a:tailEnd type="triangle"/>
+          </a:ln>
+        </p:spPr>
+        <p:style>
+          <a:lnRef idx="1">
+            <a:schemeClr val="accent1"/>
+          </a:lnRef>
+          <a:fillRef idx="0">
+            <a:schemeClr val="accent1"/>
+          </a:fillRef>
+          <a:effectRef idx="0">
+            <a:schemeClr val="accent1"/>
+          </a:effectRef>
+          <a:fontRef idx="minor">
+            <a:schemeClr val="tx1"/>
+          </a:fontRef>
+        </p:style>
+      </p:cxnSp>
+      <p:sp>
+        <p:nvSpPr>
+          <p:cNvPr id="11" name="テキスト ボックス 10"/>
+          <p:cNvSpPr txBox="1"/>
+          <p:nvPr/>
+        </p:nvSpPr>
+        <p:spPr>
+          <a:xfrm>
+            <a:off x="7466063" y="1844000"/>
+            <a:ext cx="2911374" cy="430887"/>
+          </a:xfrm>
+          <a:prstGeom prst="rect">
+            <a:avLst/>
+          </a:prstGeom>
+          <a:noFill/>
+        </p:spPr>
+        <p:txBody>
+          <a:bodyPr wrap="none" rtlCol="0">
+            <a:spAutoFit/>
+          </a:bodyPr>
+          <a:lstStyle/>
+          <a:p>
+            <a:r>
+              <a:rPr kumimoji="1" lang="en-US" altLang="ja-JP" sz="1100" dirty="0" smtClean="0"/>
+              <a:t>Send </a:t>
+            </a:r>
+            <a:r>
+              <a:rPr lang="en-US" altLang="ja-JP" sz="1100" dirty="0" smtClean="0"/>
+              <a:t>0000015d-2890-fcf4-0000-000000000001</a:t>
+            </a:r>
+            <a:br>
+              <a:rPr lang="en-US" altLang="ja-JP" sz="1100" dirty="0" smtClean="0"/>
+            </a:br>
+            <a:r>
+              <a:rPr lang="en-US" altLang="ja-JP" sz="1100" dirty="0" smtClean="0"/>
+              <a:t>{message : “hello” }</a:t>
+            </a:r>
+            <a:endParaRPr kumimoji="1" lang="ja-JP" altLang="en-US" sz="1100" dirty="0"/>
+          </a:p>
+        </p:txBody>
+      </p:sp>
+      <p:cxnSp>
+        <p:nvCxnSpPr>
+          <p:cNvPr id="12" name="直線矢印コネクタ 11"/>
+          <p:cNvCxnSpPr/>
+          <p:nvPr/>
+        </p:nvCxnSpPr>
+        <p:spPr>
+          <a:xfrm flipH="1" flipV="1">
+            <a:off x="1759260" y="4240571"/>
+            <a:ext cx="2927043" cy="13931"/>
+          </a:xfrm>
+          <a:prstGeom prst="straightConnector1">
+            <a:avLst/>
+          </a:prstGeom>
+          <a:ln>
+            <a:tailEnd type="triangle"/>
+          </a:ln>
+        </p:spPr>
+        <p:style>
+          <a:lnRef idx="1">
+            <a:schemeClr val="accent1"/>
+          </a:lnRef>
+          <a:fillRef idx="0">
+            <a:schemeClr val="accent1"/>
+          </a:fillRef>
+          <a:effectRef idx="0">
+            <a:schemeClr val="accent1"/>
+          </a:effectRef>
+          <a:fontRef idx="minor">
+            <a:schemeClr val="tx1"/>
+          </a:fontRef>
+        </p:style>
+      </p:cxnSp>
+      <p:sp>
+        <p:nvSpPr>
+          <p:cNvPr id="14" name="テキスト ボックス 13"/>
+          <p:cNvSpPr txBox="1"/>
+          <p:nvPr/>
+        </p:nvSpPr>
+        <p:spPr>
+          <a:xfrm>
+            <a:off x="4587857" y="4122510"/>
+            <a:ext cx="2629246" cy="1107996"/>
+          </a:xfrm>
+          <a:prstGeom prst="rect">
+            <a:avLst/>
+          </a:prstGeom>
+          <a:noFill/>
+        </p:spPr>
+        <p:txBody>
+          <a:bodyPr wrap="none" rtlCol="0">
+            <a:spAutoFit/>
+          </a:bodyPr>
+          <a:lstStyle/>
+          <a:p>
+            <a:pPr algn="ctr"/>
+            <a:r>
+              <a:rPr lang="en-US" altLang="ja-JP" sz="1100" dirty="0" smtClean="0"/>
+              <a:t>0000015d-2890-fcf4-0000-000000000001</a:t>
+            </a:r>
+          </a:p>
+          <a:p>
+            <a:pPr algn="ctr"/>
+            <a:r>
+              <a:rPr lang="en-US" altLang="ja-JP" sz="1100" dirty="0" smtClean="0"/>
+              <a:t>0000015d-2cf6-05ce-0000-000000000001</a:t>
+            </a:r>
+          </a:p>
+          <a:p>
+            <a:pPr algn="ctr"/>
+            <a:r>
+              <a:rPr lang="en-US" altLang="ja-JP" sz="1100" dirty="0" smtClean="0"/>
+              <a:t>0000015d-2cf6-d2d0-0000-000000000001</a:t>
+            </a:r>
+          </a:p>
+          <a:p>
+            <a:pPr algn="ctr"/>
+            <a:r>
+              <a:rPr lang="ja-JP" altLang="en-US" sz="1100" dirty="0" smtClean="0"/>
+              <a:t>・</a:t>
+            </a:r>
+            <a:endParaRPr lang="en-US" altLang="ja-JP" sz="1100" dirty="0" smtClean="0"/>
+          </a:p>
+          <a:p>
+            <a:pPr algn="ctr"/>
+            <a:r>
+              <a:rPr lang="ja-JP" altLang="en-US" sz="1100" dirty="0" smtClean="0"/>
+              <a:t>・</a:t>
+            </a:r>
+            <a:endParaRPr lang="en-US" altLang="ja-JP" sz="1100" dirty="0" smtClean="0"/>
+          </a:p>
+          <a:p>
+            <a:pPr algn="ctr"/>
+            <a:r>
+              <a:rPr lang="ja-JP" altLang="en-US" sz="1100" dirty="0"/>
+              <a:t>・</a:t>
+            </a:r>
+            <a:endParaRPr lang="en-US" altLang="ja-JP" sz="1100" dirty="0" smtClean="0"/>
+          </a:p>
+        </p:txBody>
+      </p:sp>
+      <p:cxnSp>
+        <p:nvCxnSpPr>
+          <p:cNvPr id="17" name="直線矢印コネクタ 16"/>
+          <p:cNvCxnSpPr/>
+          <p:nvPr/>
+        </p:nvCxnSpPr>
+        <p:spPr>
+          <a:xfrm flipH="1">
+            <a:off x="5973798" y="2284106"/>
+            <a:ext cx="1341402" cy="1259134"/>
+          </a:xfrm>
+          <a:prstGeom prst="straightConnector1">
+            <a:avLst/>
+          </a:prstGeom>
+          <a:ln>
+            <a:tailEnd type="triangle"/>
+          </a:ln>
+        </p:spPr>
+        <p:style>
+          <a:lnRef idx="1">
+            <a:schemeClr val="accent1"/>
+          </a:lnRef>
+          <a:fillRef idx="0">
+            <a:schemeClr val="accent1"/>
+          </a:fillRef>
+          <a:effectRef idx="0">
+            <a:schemeClr val="accent1"/>
+          </a:effectRef>
+          <a:fontRef idx="minor">
+            <a:schemeClr val="tx1"/>
+          </a:fontRef>
+        </p:style>
+      </p:cxnSp>
+      <p:sp>
+        <p:nvSpPr>
+          <p:cNvPr id="19" name="テキスト ボックス 18"/>
+          <p:cNvSpPr txBox="1"/>
+          <p:nvPr/>
+        </p:nvSpPr>
+        <p:spPr>
+          <a:xfrm>
+            <a:off x="2510630" y="3971243"/>
+            <a:ext cx="1305165" cy="261610"/>
+          </a:xfrm>
+          <a:prstGeom prst="rect">
+            <a:avLst/>
+          </a:prstGeom>
+          <a:noFill/>
+        </p:spPr>
+        <p:txBody>
+          <a:bodyPr wrap="none" rtlCol="0">
+            <a:spAutoFit/>
+          </a:bodyPr>
+          <a:lstStyle/>
+          <a:p>
+            <a:r>
+              <a:rPr lang="en-US" altLang="ja-JP" sz="1100" dirty="0" smtClean="0"/>
+              <a:t>{message : “hello” }</a:t>
+            </a:r>
+            <a:endParaRPr kumimoji="1" lang="ja-JP" altLang="en-US" sz="1100" dirty="0"/>
+          </a:p>
+        </p:txBody>
+      </p:sp>
+      <p:sp>
+        <p:nvSpPr>
+          <p:cNvPr id="28" name="テキスト ボックス 27"/>
+          <p:cNvSpPr txBox="1"/>
+          <p:nvPr/>
+        </p:nvSpPr>
+        <p:spPr>
+          <a:xfrm>
+            <a:off x="5518194" y="3590345"/>
+            <a:ext cx="768159" cy="261610"/>
+          </a:xfrm>
+          <a:prstGeom prst="rect">
+            <a:avLst/>
+          </a:prstGeom>
+          <a:noFill/>
+        </p:spPr>
+        <p:txBody>
+          <a:bodyPr wrap="none" rtlCol="0">
+            <a:spAutoFit/>
+          </a:bodyPr>
+          <a:lstStyle/>
+          <a:p>
+            <a:r>
+              <a:rPr kumimoji="1" lang="en-US" altLang="ja-JP" sz="1100" dirty="0" smtClean="0"/>
               <a:t>UUID</a:t>
             </a:r>
             <a:r>
-              <a:rPr lang="ja-JP" altLang="en-US" dirty="0" smtClean="0"/>
-              <a:t>を発行し、その</a:t>
-            </a:r>
-            <a:r>
-              <a:rPr lang="en-US" altLang="ja-JP" dirty="0" smtClean="0"/>
-              <a:t>UUID</a:t>
-            </a:r>
-            <a:r>
-              <a:rPr lang="ja-JP" altLang="en-US" dirty="0" smtClean="0"/>
-              <a:t>同士で、</a:t>
-            </a:r>
-            <a:r>
-              <a:rPr lang="en-US" altLang="ja-JP" dirty="0" smtClean="0"/>
+              <a:rPr kumimoji="1" lang="ja-JP" altLang="en-US" sz="1100" dirty="0" smtClean="0"/>
+              <a:t>検索</a:t>
+            </a:r>
+            <a:endParaRPr kumimoji="1" lang="ja-JP" altLang="en-US" sz="1100" dirty="0"/>
+          </a:p>
+        </p:txBody>
+      </p:sp>
+      <p:sp>
+        <p:nvSpPr>
+          <p:cNvPr id="29" name="テキスト ボックス 28"/>
+          <p:cNvSpPr txBox="1"/>
+          <p:nvPr/>
+        </p:nvSpPr>
+        <p:spPr>
+          <a:xfrm>
+            <a:off x="7003359" y="2614941"/>
+            <a:ext cx="1043876" cy="430887"/>
+          </a:xfrm>
+          <a:prstGeom prst="rect">
+            <a:avLst/>
+          </a:prstGeom>
+          <a:noFill/>
+        </p:spPr>
+        <p:txBody>
+          <a:bodyPr wrap="none" rtlCol="0">
+            <a:spAutoFit/>
+          </a:bodyPr>
+          <a:lstStyle/>
+          <a:p>
+            <a:r>
+              <a:rPr kumimoji="1" lang="en-US" altLang="ja-JP" sz="1100" dirty="0" smtClean="0"/>
               <a:t>Reception</a:t>
             </a:r>
             <a:r>
-              <a:rPr lang="ja-JP" altLang="en-US" dirty="0" smtClean="0"/>
-              <a:t>と</a:t>
-            </a:r>
-            <a:r>
-              <a:rPr lang="en-US" altLang="ja-JP" dirty="0" smtClean="0"/>
-              <a:t>SSE</a:t>
-            </a:r>
-            <a:r>
-              <a:rPr lang="ja-JP" altLang="en-US" dirty="0" smtClean="0"/>
-              <a:t>の接続を行う。</a:t>
-            </a:r>
-            <a:endParaRPr lang="en-US" altLang="ja-JP" dirty="0" smtClean="0"/>
-          </a:p>
-          <a:p>
-            <a:pPr marL="0" indent="0">
-              <a:buNone/>
-            </a:pPr>
-            <a:endParaRPr lang="en-US" altLang="ja-JP" dirty="0" smtClean="0"/>
-          </a:p>
-          <a:p>
-            <a:pPr marL="0" indent="0">
-              <a:buNone/>
-            </a:pPr>
-            <a:r>
-              <a:rPr lang="ja-JP" altLang="en-US" dirty="0" smtClean="0"/>
-              <a:t>・</a:t>
-            </a:r>
-            <a:r>
-              <a:rPr lang="en-US" altLang="ja-JP" dirty="0" smtClean="0"/>
-              <a:t>Reception</a:t>
-            </a:r>
-            <a:r>
-              <a:rPr lang="ja-JP" altLang="en-US" dirty="0" smtClean="0"/>
-              <a:t>で受け付けたデータは</a:t>
-            </a:r>
-            <a:r>
-              <a:rPr lang="en-US" altLang="ja-JP" dirty="0" smtClean="0"/>
-              <a:t>Queue</a:t>
-            </a:r>
-            <a:r>
-              <a:rPr lang="ja-JP" altLang="en-US" dirty="0" smtClean="0"/>
-              <a:t>で管理しているので、確実に</a:t>
-            </a:r>
-            <a:r>
-              <a:rPr lang="en-US" altLang="ja-JP" dirty="0" smtClean="0"/>
-              <a:t>SSE</a:t>
-            </a:r>
-            <a:r>
-              <a:rPr lang="ja-JP" altLang="en-US" dirty="0" smtClean="0"/>
-              <a:t>受信側に送信できる。</a:t>
-            </a:r>
-            <a:endParaRPr lang="en-US" altLang="ja-JP" dirty="0" smtClean="0"/>
-          </a:p>
-          <a:p>
-            <a:pPr marL="0" indent="0">
-              <a:buNone/>
-            </a:pPr>
-            <a:r>
-              <a:rPr kumimoji="1" lang="ja-JP" altLang="en-US" dirty="0" smtClean="0"/>
-              <a:t>（ただし、サーバが定める</a:t>
-            </a:r>
-            <a:r>
-              <a:rPr kumimoji="1" lang="en-US" altLang="ja-JP" dirty="0" smtClean="0"/>
-              <a:t>Expire</a:t>
-            </a:r>
-            <a:r>
-              <a:rPr kumimoji="1" lang="ja-JP" altLang="en-US" dirty="0" smtClean="0"/>
-              <a:t>値を超える場合、データロストする）</a:t>
-            </a:r>
-            <a:endParaRPr kumimoji="1" lang="en-US" altLang="ja-JP" dirty="0" smtClean="0"/>
-          </a:p>
-          <a:p>
-            <a:pPr marL="0" indent="0">
-              <a:buNone/>
-            </a:pPr>
-            <a:endParaRPr kumimoji="1" lang="ja-JP" altLang="en-US" dirty="0"/>
+              <a:rPr kumimoji="1" lang="ja-JP" altLang="en-US" sz="1100" dirty="0" smtClean="0"/>
+              <a:t>接続</a:t>
+            </a:r>
+            <a:endParaRPr kumimoji="1" lang="en-US" altLang="ja-JP" sz="1100" dirty="0" smtClean="0"/>
+          </a:p>
+          <a:p>
+            <a:r>
+              <a:rPr lang="en-US" altLang="ja-JP" sz="1100" dirty="0" smtClean="0"/>
+              <a:t>(HTTP)</a:t>
+            </a:r>
+            <a:endParaRPr kumimoji="1" lang="ja-JP" altLang="en-US" sz="1100" dirty="0"/>
+          </a:p>
+        </p:txBody>
+      </p:sp>
+      <p:sp>
+        <p:nvSpPr>
+          <p:cNvPr id="30" name="テキスト ボックス 29"/>
+          <p:cNvSpPr txBox="1"/>
+          <p:nvPr/>
+        </p:nvSpPr>
+        <p:spPr>
+          <a:xfrm>
+            <a:off x="4048849" y="5065076"/>
+            <a:ext cx="845103" cy="600164"/>
+          </a:xfrm>
+          <a:prstGeom prst="rect">
+            <a:avLst/>
+          </a:prstGeom>
+          <a:noFill/>
+        </p:spPr>
+        <p:txBody>
+          <a:bodyPr wrap="none" rtlCol="0">
+            <a:spAutoFit/>
+          </a:bodyPr>
+          <a:lstStyle/>
+          <a:p>
+            <a:r>
+              <a:rPr kumimoji="1" lang="en-US" altLang="ja-JP" sz="1100" dirty="0" err="1" smtClean="0"/>
+              <a:t>Sse</a:t>
+            </a:r>
+            <a:r>
+              <a:rPr kumimoji="1" lang="ja-JP" altLang="en-US" sz="1100" dirty="0" smtClean="0"/>
+              <a:t>接続</a:t>
+            </a:r>
+            <a:endParaRPr kumimoji="1" lang="en-US" altLang="ja-JP" sz="1100" dirty="0" smtClean="0"/>
+          </a:p>
+          <a:p>
+            <a:r>
+              <a:rPr lang="en-US" altLang="ja-JP" sz="1100" dirty="0" smtClean="0"/>
+              <a:t>Comet</a:t>
+            </a:r>
+            <a:r>
+              <a:rPr lang="ja-JP" altLang="en-US" sz="1100" dirty="0" smtClean="0"/>
+              <a:t>接続</a:t>
+            </a:r>
+            <a:endParaRPr lang="en-US" altLang="ja-JP" sz="1100" dirty="0" smtClean="0"/>
+          </a:p>
+          <a:p>
+            <a:r>
+              <a:rPr kumimoji="1" lang="ja-JP" altLang="en-US" sz="1100" dirty="0" smtClean="0"/>
+              <a:t>（</a:t>
+            </a:r>
+            <a:r>
+              <a:rPr kumimoji="1" lang="en-US" altLang="ja-JP" sz="1100" dirty="0" smtClean="0"/>
+              <a:t>HTTP</a:t>
+            </a:r>
+            <a:r>
+              <a:rPr kumimoji="1" lang="en-US" altLang="ja-JP" sz="1100" dirty="0"/>
+              <a:t>)</a:t>
+            </a:r>
+            <a:endParaRPr kumimoji="1" lang="ja-JP" altLang="en-US" sz="1100" dirty="0"/>
           </a:p>
         </p:txBody>
       </p:sp>
     </p:spTree>
     <p:extLst>
       <p:ext uri="{BB962C8B-B14F-4D97-AF65-F5344CB8AC3E}">
-        <p14:creationId xmlns:p14="http://schemas.microsoft.com/office/powerpoint/2010/main" val="3240493338"/>
+        <p14:creationId xmlns:p14="http://schemas.microsoft.com/office/powerpoint/2010/main" val="525897283"/>
       </p:ext>
     </p:extLst>
   </p:cSld>
@@ -4329,14 +5003,19 @@
             <p:ph type="title"/>
           </p:nvPr>
         </p:nvSpPr>
-        <p:spPr/>
+        <p:spPr>
+          <a:xfrm>
+            <a:off x="838200" y="365125"/>
+            <a:ext cx="10515600" cy="866775"/>
+          </a:xfrm>
+        </p:spPr>
         <p:txBody>
           <a:bodyPr/>
           <a:lstStyle/>
           <a:p>
             <a:r>
               <a:rPr kumimoji="1" lang="ja-JP" altLang="en-US" dirty="0" smtClean="0"/>
-              <a:t>利用想定</a:t>
+              <a:t>機能説明</a:t>
             </a:r>
             <a:endParaRPr kumimoji="1" lang="ja-JP" altLang="en-US" dirty="0"/>
           </a:p>
@@ -4352,25 +5031,142 @@
             <p:ph idx="1"/>
           </p:nvPr>
         </p:nvSpPr>
-        <p:spPr/>
-        <p:txBody>
-          <a:bodyPr/>
+        <p:spPr>
+          <a:xfrm>
+            <a:off x="838200" y="1406524"/>
+            <a:ext cx="10515600" cy="5210175"/>
+          </a:xfrm>
+        </p:spPr>
+        <p:txBody>
+          <a:bodyPr>
+            <a:normAutofit/>
+          </a:bodyPr>
           <a:lstStyle/>
           <a:p>
             <a:pPr marL="0" indent="0">
               <a:buNone/>
             </a:pPr>
             <a:r>
+              <a:rPr lang="ja-JP" altLang="en-US" dirty="0" smtClean="0"/>
+              <a:t>１</a:t>
+            </a:r>
+            <a:r>
+              <a:rPr lang="ja-JP" altLang="en-US" dirty="0"/>
+              <a:t>）</a:t>
+            </a:r>
+            <a:r>
+              <a:rPr lang="ja-JP" altLang="en-US" dirty="0" smtClean="0"/>
+              <a:t>リアルタイム受信待ち（</a:t>
+            </a:r>
+            <a:r>
+              <a:rPr lang="en-US" altLang="ja-JP" dirty="0" smtClean="0"/>
+              <a:t>SSE</a:t>
+            </a:r>
+            <a:r>
+              <a:rPr lang="ja-JP" altLang="en-US" dirty="0" smtClean="0"/>
+              <a:t>接続部</a:t>
+            </a:r>
+            <a:r>
+              <a:rPr lang="ja-JP" altLang="en-US" dirty="0" smtClean="0"/>
+              <a:t>）で</a:t>
+            </a:r>
+            <a:r>
+              <a:rPr lang="en-US" altLang="ja-JP" dirty="0" smtClean="0"/>
+              <a:t>HTTP</a:t>
+            </a:r>
+            <a:r>
+              <a:rPr lang="en-US" altLang="ja-JP" dirty="0" smtClean="0"/>
+              <a:t>/Push</a:t>
+            </a:r>
+            <a:r>
+              <a:rPr lang="ja-JP" altLang="en-US" dirty="0" smtClean="0"/>
+              <a:t>通知を待つ</a:t>
+            </a:r>
+            <a:endParaRPr lang="en-US" altLang="ja-JP" dirty="0" smtClean="0"/>
+          </a:p>
+          <a:p>
+            <a:pPr marL="0" indent="0">
+              <a:buNone/>
+            </a:pPr>
+            <a:endParaRPr lang="en-US" altLang="ja-JP" dirty="0" smtClean="0"/>
+          </a:p>
+          <a:p>
+            <a:pPr marL="0" indent="0">
+              <a:buNone/>
+            </a:pPr>
+            <a:r>
+              <a:rPr lang="ja-JP" altLang="en-US" dirty="0" smtClean="0"/>
+              <a:t>２</a:t>
+            </a:r>
+            <a:r>
+              <a:rPr lang="ja-JP" altLang="en-US" dirty="0"/>
+              <a:t>）</a:t>
+            </a:r>
+            <a:r>
               <a:rPr kumimoji="1" lang="ja-JP" altLang="en-US" dirty="0" smtClean="0"/>
-              <a:t>・リアルタイムなデータ</a:t>
+              <a:t>リアルタイムデータ受付（</a:t>
             </a:r>
             <a:r>
               <a:rPr kumimoji="1" lang="en-US" altLang="ja-JP" dirty="0" smtClean="0"/>
-              <a:t>Push</a:t>
+              <a:t>Reception</a:t>
             </a:r>
             <a:r>
               <a:rPr kumimoji="1" lang="ja-JP" altLang="en-US" dirty="0" smtClean="0"/>
-              <a:t>が必要なシステム。</a:t>
+              <a:t>接続部）に</a:t>
+            </a:r>
+            <a:r>
+              <a:rPr lang="ja-JP" altLang="en-US" dirty="0" smtClean="0"/>
+              <a:t>データ送信を</a:t>
+            </a:r>
+            <a:r>
+              <a:rPr lang="ja-JP" altLang="en-US" dirty="0" smtClean="0"/>
+              <a:t>行う</a:t>
+            </a:r>
+            <a:endParaRPr lang="en-US" altLang="ja-JP" dirty="0" smtClean="0"/>
+          </a:p>
+          <a:p>
+            <a:pPr marL="0" indent="0">
+              <a:buNone/>
+            </a:pPr>
+            <a:r>
+              <a:rPr lang="ja-JP" altLang="en-US" dirty="0"/>
+              <a:t>　</a:t>
+            </a:r>
+            <a:r>
+              <a:rPr lang="ja-JP" altLang="en-US" dirty="0" smtClean="0"/>
+              <a:t>　ことで、対するリアルタイム受信待ちに</a:t>
+            </a:r>
+            <a:r>
+              <a:rPr lang="en-US" altLang="ja-JP" dirty="0" smtClean="0"/>
+              <a:t>HTTP/Push</a:t>
+            </a:r>
+            <a:r>
+              <a:rPr lang="ja-JP" altLang="en-US" dirty="0" smtClean="0"/>
+              <a:t>通知を行う。</a:t>
+            </a:r>
+            <a:endParaRPr lang="en-US" altLang="ja-JP" dirty="0" smtClean="0"/>
+          </a:p>
+          <a:p>
+            <a:pPr marL="0" indent="0">
+              <a:buNone/>
+            </a:pPr>
+            <a:endParaRPr lang="en-US" altLang="ja-JP" dirty="0" smtClean="0"/>
+          </a:p>
+          <a:p>
+            <a:pPr marL="0" indent="0">
+              <a:buNone/>
+            </a:pPr>
+            <a:r>
+              <a:rPr kumimoji="1" lang="ja-JP" altLang="en-US" dirty="0" smtClean="0"/>
+              <a:t>３）</a:t>
+            </a:r>
+            <a:r>
+              <a:rPr kumimoji="1" lang="en-US" altLang="ja-JP" dirty="0" smtClean="0"/>
+              <a:t>CORS</a:t>
+            </a:r>
+            <a:r>
+              <a:rPr kumimoji="1" lang="ja-JP" altLang="en-US" dirty="0" smtClean="0"/>
+              <a:t>対応</a:t>
             </a:r>
             <a:endParaRPr kumimoji="1" lang="en-US" altLang="ja-JP" dirty="0" smtClean="0"/>
           </a:p>
@@ -4386,64 +5182,54 @@
             </a:pPr>
             <a:r>
               <a:rPr lang="ja-JP" altLang="en-US" dirty="0" smtClean="0"/>
-              <a:t>・現在のバージョン（１．０．０）ではグループ配信機能は無いので、グループチャットなどには、向いていない。</a:t>
-            </a:r>
-            <a:endParaRPr lang="en-US" altLang="ja-JP" dirty="0" smtClean="0"/>
-          </a:p>
-          <a:p>
-            <a:pPr marL="0" indent="0">
-              <a:buNone/>
-            </a:pPr>
-            <a:endParaRPr lang="en-US" altLang="ja-JP" dirty="0" smtClean="0"/>
-          </a:p>
-          <a:p>
-            <a:pPr marL="0" indent="0">
-              <a:buNone/>
-            </a:pPr>
+              <a:t>４）</a:t>
+            </a:r>
+            <a:r>
+              <a:rPr lang="en-US" altLang="ja-JP" dirty="0" smtClean="0"/>
+              <a:t>SSE(</a:t>
+            </a:r>
+            <a:r>
+              <a:rPr lang="en-US" altLang="ja-JP" dirty="0" err="1" smtClean="0"/>
+              <a:t>ServerSentEvent</a:t>
+            </a:r>
+            <a:r>
+              <a:rPr lang="en-US" altLang="ja-JP" dirty="0" smtClean="0"/>
+              <a:t>)</a:t>
+            </a:r>
             <a:r>
               <a:rPr lang="ja-JP" altLang="en-US" dirty="0" smtClean="0"/>
-              <a:t>・逆に１対１のチャットシステムのようなものには向いている</a:t>
-            </a:r>
-            <a:r>
-              <a:rPr lang="ja-JP" altLang="en-US" dirty="0" smtClean="0"/>
-              <a:t>。</a:t>
-            </a:r>
-            <a:endParaRPr lang="en-US" altLang="ja-JP" dirty="0" smtClean="0"/>
-          </a:p>
-          <a:p>
-            <a:pPr marL="0" indent="0">
-              <a:buNone/>
-            </a:pPr>
-            <a:endParaRPr lang="en-US" altLang="ja-JP" dirty="0"/>
-          </a:p>
-          <a:p>
-            <a:pPr marL="0" indent="0">
-              <a:buNone/>
-            </a:pPr>
-            <a:r>
-              <a:rPr lang="ja-JP" altLang="en-US" dirty="0" smtClean="0"/>
-              <a:t>・</a:t>
+              <a:t>に対応していないブラウザ向けに、</a:t>
             </a:r>
             <a:r>
               <a:rPr lang="en-US" altLang="ja-JP" dirty="0" smtClean="0"/>
               <a:t>Comet</a:t>
             </a:r>
             <a:r>
-              <a:rPr lang="ja-JP" altLang="en-US" dirty="0" err="1" smtClean="0"/>
-              <a:t>にも</a:t>
-            </a:r>
-            <a:r>
               <a:rPr lang="ja-JP" altLang="en-US" dirty="0" smtClean="0"/>
-              <a:t>対応しているので、比較的古いブラウザでも、動作する。</a:t>
+              <a:t>で</a:t>
             </a:r>
             <a:endParaRPr lang="en-US" altLang="ja-JP" dirty="0" smtClean="0"/>
+          </a:p>
+          <a:p>
+            <a:pPr marL="0" indent="0">
+              <a:buNone/>
+            </a:pPr>
+            <a:r>
+              <a:rPr kumimoji="1" lang="ja-JP" altLang="en-US" dirty="0"/>
+              <a:t>　</a:t>
+            </a:r>
+            <a:r>
+              <a:rPr kumimoji="1" lang="ja-JP" altLang="en-US" dirty="0" smtClean="0"/>
+              <a:t>　同様の機能を提供</a:t>
+            </a:r>
+            <a:endParaRPr kumimoji="1" lang="en-US" altLang="ja-JP" dirty="0" smtClean="0"/>
           </a:p>
         </p:txBody>
       </p:sp>
     </p:spTree>
     <p:extLst>
       <p:ext uri="{BB962C8B-B14F-4D97-AF65-F5344CB8AC3E}">
-        <p14:creationId xmlns:p14="http://schemas.microsoft.com/office/powerpoint/2010/main" val="289506091"/>
+        <p14:creationId xmlns:p14="http://schemas.microsoft.com/office/powerpoint/2010/main" val="3801541573"/>
       </p:ext>
     </p:extLst>
   </p:cSld>
@@ -4486,8 +5272,20 @@
           <a:lstStyle/>
           <a:p>
             <a:r>
+              <a:rPr lang="ja-JP" altLang="en-US" dirty="0" smtClean="0"/>
+              <a:t>現在</a:t>
+            </a:r>
+            <a:r>
+              <a:rPr lang="ja-JP" altLang="en-US" dirty="0"/>
+              <a:t>の</a:t>
+            </a:r>
+            <a:r>
               <a:rPr kumimoji="1" lang="ja-JP" altLang="en-US" dirty="0" smtClean="0"/>
-              <a:t>問題点・課題</a:t>
+              <a:t>問題点</a:t>
+            </a:r>
+            <a:r>
+              <a:rPr kumimoji="1" lang="ja-JP" altLang="en-US" dirty="0" smtClean="0"/>
+              <a:t>・課題</a:t>
             </a:r>
             <a:endParaRPr kumimoji="1" lang="ja-JP" altLang="en-US" dirty="0"/>
           </a:p>
@@ -4505,7 +5303,9 @@
         </p:nvSpPr>
         <p:spPr/>
         <p:txBody>
-          <a:bodyPr/>
+          <a:bodyPr>
+            <a:normAutofit fontScale="92500" lnSpcReduction="20000"/>
+          </a:bodyPr>
           <a:lstStyle/>
           <a:p>
             <a:pPr marL="0" indent="0">
@@ -4528,19 +5328,23 @@
               <a:t>sse</a:t>
             </a:r>
             <a:r>
+              <a:rPr kumimoji="1" lang="en-US" altLang="ja-JP" dirty="0" smtClean="0"/>
+              <a:t>(or comet)</a:t>
+            </a:r>
+            <a:r>
               <a:rPr kumimoji="1" lang="ja-JP" altLang="en-US" dirty="0" smtClean="0"/>
-              <a:t>との接続に対して、セキュリティが無い。</a:t>
+              <a:t>と</a:t>
+            </a:r>
+            <a:r>
+              <a:rPr kumimoji="1" lang="ja-JP" altLang="en-US" dirty="0" smtClean="0"/>
+              <a:t>の接続に対して、セキュリティが無い。</a:t>
             </a:r>
             <a:r>
               <a:rPr lang="ja-JP" altLang="en-US" dirty="0" smtClean="0"/>
-              <a:t>問題と</a:t>
-            </a:r>
-            <a:r>
-              <a:rPr lang="ja-JP" altLang="en-US" smtClean="0"/>
-              <a:t>しては</a:t>
-            </a:r>
-            <a:r>
-              <a:rPr lang="en-US" altLang="ja-JP" smtClean="0"/>
+              <a:t>問題としては</a:t>
+            </a:r>
+            <a:r>
+              <a:rPr lang="en-US" altLang="ja-JP" dirty="0" smtClean="0"/>
               <a:t>UUID</a:t>
             </a:r>
             <a:r>
@@ -4593,8 +5397,94 @@
             </a:r>
             <a:r>
               <a:rPr lang="ja-JP" altLang="en-US" dirty="0" smtClean="0"/>
-              <a:t>サーバを起動しても、スケールしない。</a:t>
-            </a:r>
+              <a:t>サーバを起動しても、スケールしない</a:t>
+            </a:r>
+            <a:r>
+              <a:rPr lang="ja-JP" altLang="en-US" dirty="0" smtClean="0"/>
+              <a:t>。</a:t>
+            </a:r>
+            <a:endParaRPr lang="en-US" altLang="ja-JP" dirty="0" smtClean="0"/>
+          </a:p>
+          <a:p>
+            <a:pPr marL="0" indent="0">
+              <a:buNone/>
+            </a:pPr>
+            <a:endParaRPr lang="en-US" altLang="ja-JP" dirty="0"/>
+          </a:p>
+          <a:p>
+            <a:pPr marL="0" indent="0">
+              <a:buNone/>
+            </a:pPr>
+            <a:r>
+              <a:rPr lang="ja-JP" altLang="en-US" dirty="0"/>
+              <a:t>・現在のバージョン（１．０．０）ではグループ配信機能は無いので、グループチャットなどには、向いていない</a:t>
+            </a:r>
+            <a:r>
+              <a:rPr lang="ja-JP" altLang="en-US" dirty="0" smtClean="0"/>
+              <a:t>。</a:t>
+            </a:r>
+            <a:endParaRPr lang="en-US" altLang="ja-JP" dirty="0" smtClean="0"/>
+          </a:p>
+          <a:p>
+            <a:pPr marL="0" indent="0">
+              <a:buNone/>
+            </a:pPr>
+            <a:endParaRPr lang="en-US" altLang="ja-JP" dirty="0"/>
+          </a:p>
+          <a:p>
+            <a:pPr marL="0" indent="0">
+              <a:buNone/>
+            </a:pPr>
+            <a:r>
+              <a:rPr lang="ja-JP" altLang="en-US" dirty="0" smtClean="0"/>
+              <a:t>・</a:t>
+            </a:r>
+            <a:r>
+              <a:rPr lang="en-US" altLang="ja-JP" dirty="0" smtClean="0"/>
+              <a:t>Client</a:t>
+            </a:r>
+            <a:r>
+              <a:rPr lang="ja-JP" altLang="en-US" dirty="0" smtClean="0"/>
+              <a:t>接続機能の提供、</a:t>
+            </a:r>
+            <a:r>
+              <a:rPr lang="en-US" altLang="ja-JP" dirty="0" smtClean="0"/>
+              <a:t>java</a:t>
+            </a:r>
+            <a:r>
+              <a:rPr lang="ja-JP" altLang="en-US" dirty="0" smtClean="0"/>
+              <a:t>（</a:t>
+            </a:r>
+            <a:r>
+              <a:rPr lang="en-US" altLang="ja-JP" dirty="0" smtClean="0"/>
+              <a:t>Android</a:t>
+            </a:r>
+            <a:r>
+              <a:rPr lang="ja-JP" altLang="en-US" dirty="0" smtClean="0"/>
+              <a:t>）のみ、</a:t>
+            </a:r>
+            <a:r>
+              <a:rPr lang="en-US" altLang="ja-JP" dirty="0" smtClean="0"/>
+              <a:t>swift(</a:t>
+            </a:r>
+            <a:r>
+              <a:rPr lang="en-US" altLang="ja-JP" dirty="0" err="1" smtClean="0"/>
+              <a:t>ios</a:t>
+            </a:r>
+            <a:r>
+              <a:rPr lang="en-US" altLang="ja-JP" dirty="0" smtClean="0"/>
+              <a:t>)</a:t>
+            </a:r>
+            <a:r>
+              <a:rPr lang="ja-JP" altLang="en-US" dirty="0" smtClean="0"/>
+              <a:t>提供予定</a:t>
+            </a:r>
+            <a:endParaRPr lang="en-US" altLang="ja-JP" dirty="0"/>
+          </a:p>
+          <a:p>
+            <a:pPr marL="0" indent="0">
+              <a:buNone/>
+            </a:pPr>
             <a:endParaRPr lang="en-US" altLang="ja-JP" dirty="0" smtClean="0"/>
           </a:p>
         </p:txBody>
